--- a/zaverecna_zprava.pptx
+++ b/zaverecna_zprava.pptx
@@ -187,1930 +187,9 @@
 <p1510:revInfo xmlns:a="http://schemas.openxmlformats.org/drawingml/2006/main" xmlns:r="http://schemas.openxmlformats.org/officeDocument/2006/relationships" xmlns:p1510="http://schemas.microsoft.com/office/powerpoint/2015/10/main">
   <p1510:revLst>
     <p1510:client id="{3DA6AAF7-310D-B767-A149-3B846C5DC394}" v="937" dt="2026-01-22T02:30:06.654"/>
-    <p1510:client id="{EAE51034-64F6-58B3-2B51-BAE150F01311}" v="2441" dt="2026-01-23T16:35:55.445"/>
+    <p1510:client id="{EAE51034-64F6-58B3-2B51-BAE150F01311}" v="2449" dt="2026-01-23T17:06:05.145"/>
   </p1510:revLst>
 </p1510:revInfo>
-</file>
-
-<file path=ppt/changesInfos/changesInfo1.xml><?xml version="1.0" encoding="utf-8"?>
-<pc:chgInfo xmlns:a="http://schemas.openxmlformats.org/drawingml/2006/main" xmlns:r="http://schemas.openxmlformats.org/officeDocument/2006/relationships" xmlns:ac="http://schemas.microsoft.com/office/drawing/2013/main/command" xmlns:pc="http://schemas.microsoft.com/office/powerpoint/2013/main/command">
-  <pc:docChgLst>
-    <pc:chgData name="Josef Gajda" userId="S::gajj02@vse.cz::62354765-72cf-499b-b531-3c23b95cf578" providerId="AD" clId="Web-{D9D442EA-2308-048D-736F-CB9567402380}"/>
-    <pc:docChg chg="addSld modSld sldOrd">
-      <pc:chgData name="Josef Gajda" userId="S::gajj02@vse.cz::62354765-72cf-499b-b531-3c23b95cf578" providerId="AD" clId="Web-{D9D442EA-2308-048D-736F-CB9567402380}" dt="2026-01-17T02:10:44.041" v="985" actId="14100"/>
-      <pc:docMkLst>
-        <pc:docMk/>
-      </pc:docMkLst>
-      <pc:sldChg chg="modSp">
-        <pc:chgData name="Josef Gajda" userId="S::gajj02@vse.cz::62354765-72cf-499b-b531-3c23b95cf578" providerId="AD" clId="Web-{D9D442EA-2308-048D-736F-CB9567402380}" dt="2026-01-16T23:48:14.438" v="170" actId="20577"/>
-        <pc:sldMkLst>
-          <pc:docMk/>
-          <pc:sldMk cId="3371554829" sldId="285"/>
-        </pc:sldMkLst>
-        <pc:spChg chg="mod">
-          <ac:chgData name="Josef Gajda" userId="S::gajj02@vse.cz::62354765-72cf-499b-b531-3c23b95cf578" providerId="AD" clId="Web-{D9D442EA-2308-048D-736F-CB9567402380}" dt="2026-01-16T23:48:14.438" v="170" actId="20577"/>
-          <ac:spMkLst>
-            <pc:docMk/>
-            <pc:sldMk cId="3371554829" sldId="285"/>
-            <ac:spMk id="3" creationId="{A7A3DD61-5D0E-FEC1-F1B6-14403E135E10}"/>
-          </ac:spMkLst>
-        </pc:spChg>
-      </pc:sldChg>
-      <pc:sldChg chg="modSp">
-        <pc:chgData name="Josef Gajda" userId="S::gajj02@vse.cz::62354765-72cf-499b-b531-3c23b95cf578" providerId="AD" clId="Web-{D9D442EA-2308-048D-736F-CB9567402380}" dt="2026-01-16T23:53:36.522" v="219" actId="1076"/>
-        <pc:sldMkLst>
-          <pc:docMk/>
-          <pc:sldMk cId="2670353907" sldId="286"/>
-        </pc:sldMkLst>
-        <pc:spChg chg="mod">
-          <ac:chgData name="Josef Gajda" userId="S::gajj02@vse.cz::62354765-72cf-499b-b531-3c23b95cf578" providerId="AD" clId="Web-{D9D442EA-2308-048D-736F-CB9567402380}" dt="2026-01-16T23:53:22.132" v="215" actId="1076"/>
-          <ac:spMkLst>
-            <pc:docMk/>
-            <pc:sldMk cId="2670353907" sldId="286"/>
-            <ac:spMk id="2" creationId="{EF05E228-022B-98D6-AEDC-169019558917}"/>
-          </ac:spMkLst>
-        </pc:spChg>
-        <pc:picChg chg="mod">
-          <ac:chgData name="Josef Gajda" userId="S::gajj02@vse.cz::62354765-72cf-499b-b531-3c23b95cf578" providerId="AD" clId="Web-{D9D442EA-2308-048D-736F-CB9567402380}" dt="2026-01-16T23:53:36.522" v="219" actId="1076"/>
-          <ac:picMkLst>
-            <pc:docMk/>
-            <pc:sldMk cId="2670353907" sldId="286"/>
-            <ac:picMk id="7" creationId="{330D1722-B461-E92F-4D03-B1DD2F2AD2CD}"/>
-          </ac:picMkLst>
-        </pc:picChg>
-      </pc:sldChg>
-      <pc:sldChg chg="modSp">
-        <pc:chgData name="Josef Gajda" userId="S::gajj02@vse.cz::62354765-72cf-499b-b531-3c23b95cf578" providerId="AD" clId="Web-{D9D442EA-2308-048D-736F-CB9567402380}" dt="2026-01-16T23:55:19.930" v="220" actId="1076"/>
-        <pc:sldMkLst>
-          <pc:docMk/>
-          <pc:sldMk cId="979550918" sldId="287"/>
-        </pc:sldMkLst>
-        <pc:graphicFrameChg chg="mod modGraphic">
-          <ac:chgData name="Josef Gajda" userId="S::gajj02@vse.cz::62354765-72cf-499b-b531-3c23b95cf578" providerId="AD" clId="Web-{D9D442EA-2308-048D-736F-CB9567402380}" dt="2026-01-16T23:55:19.930" v="220" actId="1076"/>
-          <ac:graphicFrameMkLst>
-            <pc:docMk/>
-            <pc:sldMk cId="979550918" sldId="287"/>
-            <ac:graphicFrameMk id="10" creationId="{44CAF72F-1652-D1B1-A81F-A6CC904A0F78}"/>
-          </ac:graphicFrameMkLst>
-        </pc:graphicFrameChg>
-      </pc:sldChg>
-      <pc:sldChg chg="ord">
-        <pc:chgData name="Josef Gajda" userId="S::gajj02@vse.cz::62354765-72cf-499b-b531-3c23b95cf578" providerId="AD" clId="Web-{D9D442EA-2308-048D-736F-CB9567402380}" dt="2026-01-16T23:53:02.553" v="214"/>
-        <pc:sldMkLst>
-          <pc:docMk/>
-          <pc:sldMk cId="389235768" sldId="288"/>
-        </pc:sldMkLst>
-      </pc:sldChg>
-      <pc:sldChg chg="addSp delSp modSp add mod replId modClrScheme chgLayout">
-        <pc:chgData name="Josef Gajda" userId="S::gajj02@vse.cz::62354765-72cf-499b-b531-3c23b95cf578" providerId="AD" clId="Web-{D9D442EA-2308-048D-736F-CB9567402380}" dt="2026-01-16T23:25:47.836" v="70" actId="1076"/>
-        <pc:sldMkLst>
-          <pc:docMk/>
-          <pc:sldMk cId="161895733" sldId="289"/>
-        </pc:sldMkLst>
-      </pc:sldChg>
-      <pc:sldChg chg="addSp delSp modSp add ord replId">
-        <pc:chgData name="Josef Gajda" userId="S::gajj02@vse.cz::62354765-72cf-499b-b531-3c23b95cf578" providerId="AD" clId="Web-{D9D442EA-2308-048D-736F-CB9567402380}" dt="2026-01-17T00:28:13.538" v="304" actId="20577"/>
-        <pc:sldMkLst>
-          <pc:docMk/>
-          <pc:sldMk cId="3208512476" sldId="290"/>
-        </pc:sldMkLst>
-        <pc:spChg chg="add mod">
-          <ac:chgData name="Josef Gajda" userId="S::gajj02@vse.cz::62354765-72cf-499b-b531-3c23b95cf578" providerId="AD" clId="Web-{D9D442EA-2308-048D-736F-CB9567402380}" dt="2026-01-17T00:28:13.538" v="304" actId="20577"/>
-          <ac:spMkLst>
-            <pc:docMk/>
-            <pc:sldMk cId="3208512476" sldId="290"/>
-            <ac:spMk id="5" creationId="{D64A49A2-6ABA-F7D3-31DD-B67F538789A2}"/>
-          </ac:spMkLst>
-        </pc:spChg>
-      </pc:sldChg>
-      <pc:sldChg chg="modSp add replId">
-        <pc:chgData name="Josef Gajda" userId="S::gajj02@vse.cz::62354765-72cf-499b-b531-3c23b95cf578" providerId="AD" clId="Web-{D9D442EA-2308-048D-736F-CB9567402380}" dt="2026-01-17T00:33:29.043" v="332" actId="20577"/>
-        <pc:sldMkLst>
-          <pc:docMk/>
-          <pc:sldMk cId="1704497468" sldId="291"/>
-        </pc:sldMkLst>
-        <pc:spChg chg="mod">
-          <ac:chgData name="Josef Gajda" userId="S::gajj02@vse.cz::62354765-72cf-499b-b531-3c23b95cf578" providerId="AD" clId="Web-{D9D442EA-2308-048D-736F-CB9567402380}" dt="2026-01-17T00:27:07.985" v="275" actId="20577"/>
-          <ac:spMkLst>
-            <pc:docMk/>
-            <pc:sldMk cId="1704497468" sldId="291"/>
-            <ac:spMk id="2" creationId="{2BEC7BFF-43CF-16F9-249A-7F8747EBFD73}"/>
-          </ac:spMkLst>
-        </pc:spChg>
-        <pc:spChg chg="mod">
-          <ac:chgData name="Josef Gajda" userId="S::gajj02@vse.cz::62354765-72cf-499b-b531-3c23b95cf578" providerId="AD" clId="Web-{D9D442EA-2308-048D-736F-CB9567402380}" dt="2026-01-17T00:33:29.043" v="332" actId="20577"/>
-          <ac:spMkLst>
-            <pc:docMk/>
-            <pc:sldMk cId="1704497468" sldId="291"/>
-            <ac:spMk id="5" creationId="{32A233AC-4C52-8DDC-7ECB-DD990573FD2D}"/>
-          </ac:spMkLst>
-        </pc:spChg>
-      </pc:sldChg>
-      <pc:sldChg chg="addSp delSp modSp add replId">
-        <pc:chgData name="Josef Gajda" userId="S::gajj02@vse.cz::62354765-72cf-499b-b531-3c23b95cf578" providerId="AD" clId="Web-{D9D442EA-2308-048D-736F-CB9567402380}" dt="2026-01-17T01:36:01.881" v="968" actId="20577"/>
-        <pc:sldMkLst>
-          <pc:docMk/>
-          <pc:sldMk cId="710634714" sldId="292"/>
-        </pc:sldMkLst>
-        <pc:spChg chg="mod">
-          <ac:chgData name="Josef Gajda" userId="S::gajj02@vse.cz::62354765-72cf-499b-b531-3c23b95cf578" providerId="AD" clId="Web-{D9D442EA-2308-048D-736F-CB9567402380}" dt="2026-01-17T01:36:01.881" v="968" actId="20577"/>
-          <ac:spMkLst>
-            <pc:docMk/>
-            <pc:sldMk cId="710634714" sldId="292"/>
-            <ac:spMk id="2" creationId="{3DC0FF42-EB81-A36D-292B-FF84665A3D2F}"/>
-          </ac:spMkLst>
-        </pc:spChg>
-        <pc:spChg chg="add del mod">
-          <ac:chgData name="Josef Gajda" userId="S::gajj02@vse.cz::62354765-72cf-499b-b531-3c23b95cf578" providerId="AD" clId="Web-{D9D442EA-2308-048D-736F-CB9567402380}" dt="2026-01-17T00:43:31.401" v="567" actId="20577"/>
-          <ac:spMkLst>
-            <pc:docMk/>
-            <pc:sldMk cId="710634714" sldId="292"/>
-            <ac:spMk id="5" creationId="{0E8A8DF2-D19B-0560-1568-139BF791E551}"/>
-          </ac:spMkLst>
-        </pc:spChg>
-      </pc:sldChg>
-    </pc:docChg>
-  </pc:docChgLst>
-  <pc:docChgLst>
-    <pc:chgData name="Josef Gajda" userId="S::gajj02@vse.cz::62354765-72cf-499b-b531-3c23b95cf578" providerId="AD" clId="Web-{3DA6AAF7-310D-B767-A149-3B846C5DC394}"/>
-    <pc:docChg chg="addSld delSld modSld sldOrd">
-      <pc:chgData name="Josef Gajda" userId="S::gajj02@vse.cz::62354765-72cf-499b-b531-3c23b95cf578" providerId="AD" clId="Web-{3DA6AAF7-310D-B767-A149-3B846C5DC394}" dt="2026-01-22T02:30:05.761" v="920" actId="20577"/>
-      <pc:docMkLst>
-        <pc:docMk/>
-      </pc:docMkLst>
-      <pc:sldChg chg="modSp">
-        <pc:chgData name="Josef Gajda" userId="S::gajj02@vse.cz::62354765-72cf-499b-b531-3c23b95cf578" providerId="AD" clId="Web-{3DA6AAF7-310D-B767-A149-3B846C5DC394}" dt="2026-01-22T00:00:35.951" v="755" actId="20577"/>
-        <pc:sldMkLst>
-          <pc:docMk/>
-          <pc:sldMk cId="502054814" sldId="277"/>
-        </pc:sldMkLst>
-        <pc:spChg chg="mod">
-          <ac:chgData name="Josef Gajda" userId="S::gajj02@vse.cz::62354765-72cf-499b-b531-3c23b95cf578" providerId="AD" clId="Web-{3DA6AAF7-310D-B767-A149-3B846C5DC394}" dt="2026-01-22T00:00:35.951" v="755" actId="20577"/>
-          <ac:spMkLst>
-            <pc:docMk/>
-            <pc:sldMk cId="502054814" sldId="277"/>
-            <ac:spMk id="3" creationId="{C179EC6F-21E7-0F86-D493-56C9068D6A16}"/>
-          </ac:spMkLst>
-        </pc:spChg>
-      </pc:sldChg>
-      <pc:sldChg chg="modSp">
-        <pc:chgData name="Josef Gajda" userId="S::gajj02@vse.cz::62354765-72cf-499b-b531-3c23b95cf578" providerId="AD" clId="Web-{3DA6AAF7-310D-B767-A149-3B846C5DC394}" dt="2026-01-22T00:21:44.447" v="855" actId="20577"/>
-        <pc:sldMkLst>
-          <pc:docMk/>
-          <pc:sldMk cId="4139299024" sldId="279"/>
-        </pc:sldMkLst>
-        <pc:spChg chg="mod">
-          <ac:chgData name="Josef Gajda" userId="S::gajj02@vse.cz::62354765-72cf-499b-b531-3c23b95cf578" providerId="AD" clId="Web-{3DA6AAF7-310D-B767-A149-3B846C5DC394}" dt="2026-01-22T00:21:44.447" v="855" actId="20577"/>
-          <ac:spMkLst>
-            <pc:docMk/>
-            <pc:sldMk cId="4139299024" sldId="279"/>
-            <ac:spMk id="3" creationId="{8D0D4454-B025-E60E-9BD8-C5222B9054CD}"/>
-          </ac:spMkLst>
-        </pc:spChg>
-      </pc:sldChg>
-      <pc:sldChg chg="modSp">
-        <pc:chgData name="Josef Gajda" userId="S::gajj02@vse.cz::62354765-72cf-499b-b531-3c23b95cf578" providerId="AD" clId="Web-{3DA6AAF7-310D-B767-A149-3B846C5DC394}" dt="2026-01-22T00:00:40.248" v="757" actId="20577"/>
-        <pc:sldMkLst>
-          <pc:docMk/>
-          <pc:sldMk cId="95628937" sldId="283"/>
-        </pc:sldMkLst>
-        <pc:spChg chg="mod">
-          <ac:chgData name="Josef Gajda" userId="S::gajj02@vse.cz::62354765-72cf-499b-b531-3c23b95cf578" providerId="AD" clId="Web-{3DA6AAF7-310D-B767-A149-3B846C5DC394}" dt="2026-01-22T00:00:40.248" v="757" actId="20577"/>
-          <ac:spMkLst>
-            <pc:docMk/>
-            <pc:sldMk cId="95628937" sldId="283"/>
-            <ac:spMk id="3" creationId="{21CB2CC3-386F-A283-82BC-619B348FD737}"/>
-          </ac:spMkLst>
-        </pc:spChg>
-      </pc:sldChg>
-      <pc:sldChg chg="modSp modCm">
-        <pc:chgData name="Josef Gajda" userId="S::gajj02@vse.cz::62354765-72cf-499b-b531-3c23b95cf578" providerId="AD" clId="Web-{3DA6AAF7-310D-B767-A149-3B846C5DC394}" dt="2026-01-22T00:18:01.772" v="777" actId="20577"/>
-        <pc:sldMkLst>
-          <pc:docMk/>
-          <pc:sldMk cId="4196028719" sldId="284"/>
-        </pc:sldMkLst>
-        <pc:spChg chg="mod">
-          <ac:chgData name="Josef Gajda" userId="S::gajj02@vse.cz::62354765-72cf-499b-b531-3c23b95cf578" providerId="AD" clId="Web-{3DA6AAF7-310D-B767-A149-3B846C5DC394}" dt="2026-01-22T00:18:01.772" v="777" actId="20577"/>
-          <ac:spMkLst>
-            <pc:docMk/>
-            <pc:sldMk cId="4196028719" sldId="284"/>
-            <ac:spMk id="3" creationId="{3FB03FD0-6621-58F3-A6B7-A35FC5792661}"/>
-          </ac:spMkLst>
-        </pc:spChg>
-        <pc:extLst>
-          <p:ext xmlns:p="http://schemas.openxmlformats.org/presentationml/2006/main" uri="{D6D511B9-2390-475A-947B-AFAB55BFBCF1}">
-            <pc226:cmChg xmlns:pc226="http://schemas.microsoft.com/office/powerpoint/2022/06/main/command" chg="mod">
-              <pc226:chgData name="Josef Gajda" userId="S::gajj02@vse.cz::62354765-72cf-499b-b531-3c23b95cf578" providerId="AD" clId="Web-{3DA6AAF7-310D-B767-A149-3B846C5DC394}" dt="2026-01-22T00:18:01.772" v="777" actId="20577"/>
-              <pc2:cmMkLst xmlns:pc2="http://schemas.microsoft.com/office/powerpoint/2019/9/main/command">
-                <pc:docMk/>
-                <pc:sldMk cId="4196028719" sldId="284"/>
-                <pc2:cmMk id="{AF06C505-6EE8-45A4-B44F-88227B65D297}"/>
-              </pc2:cmMkLst>
-            </pc226:cmChg>
-          </p:ext>
-        </pc:extLst>
-      </pc:sldChg>
-      <pc:sldChg chg="modSp">
-        <pc:chgData name="Josef Gajda" userId="S::gajj02@vse.cz::62354765-72cf-499b-b531-3c23b95cf578" providerId="AD" clId="Web-{3DA6AAF7-310D-B767-A149-3B846C5DC394}" dt="2026-01-21T22:43:49.065" v="724" actId="20577"/>
-        <pc:sldMkLst>
-          <pc:docMk/>
-          <pc:sldMk cId="3371554829" sldId="285"/>
-        </pc:sldMkLst>
-        <pc:spChg chg="mod">
-          <ac:chgData name="Josef Gajda" userId="S::gajj02@vse.cz::62354765-72cf-499b-b531-3c23b95cf578" providerId="AD" clId="Web-{3DA6AAF7-310D-B767-A149-3B846C5DC394}" dt="2026-01-21T22:43:49.065" v="724" actId="20577"/>
-          <ac:spMkLst>
-            <pc:docMk/>
-            <pc:sldMk cId="3371554829" sldId="285"/>
-            <ac:spMk id="2" creationId="{AE20190B-10AB-FE4F-BE28-D7C553CD31E1}"/>
-          </ac:spMkLst>
-        </pc:spChg>
-      </pc:sldChg>
-      <pc:sldChg chg="addSp">
-        <pc:chgData name="Josef Gajda" userId="S::gajj02@vse.cz::62354765-72cf-499b-b531-3c23b95cf578" providerId="AD" clId="Web-{3DA6AAF7-310D-B767-A149-3B846C5DC394}" dt="2026-01-21T22:28:57.905" v="712"/>
-        <pc:sldMkLst>
-          <pc:docMk/>
-          <pc:sldMk cId="2670353907" sldId="286"/>
-        </pc:sldMkLst>
-        <pc:spChg chg="add">
-          <ac:chgData name="Josef Gajda" userId="S::gajj02@vse.cz::62354765-72cf-499b-b531-3c23b95cf578" providerId="AD" clId="Web-{3DA6AAF7-310D-B767-A149-3B846C5DC394}" dt="2026-01-21T22:28:57.905" v="712"/>
-          <ac:spMkLst>
-            <pc:docMk/>
-            <pc:sldMk cId="2670353907" sldId="286"/>
-            <ac:spMk id="4" creationId="{3186B88E-2C99-06E6-F2F5-22E47A67B329}"/>
-          </ac:spMkLst>
-        </pc:spChg>
-      </pc:sldChg>
-      <pc:sldChg chg="ord">
-        <pc:chgData name="Josef Gajda" userId="S::gajj02@vse.cz::62354765-72cf-499b-b531-3c23b95cf578" providerId="AD" clId="Web-{3DA6AAF7-310D-B767-A149-3B846C5DC394}" dt="2026-01-21T22:44:45.238" v="725"/>
-        <pc:sldMkLst>
-          <pc:docMk/>
-          <pc:sldMk cId="389235768" sldId="288"/>
-        </pc:sldMkLst>
-      </pc:sldChg>
-      <pc:sldChg chg="addSp modSp">
-        <pc:chgData name="Josef Gajda" userId="S::gajj02@vse.cz::62354765-72cf-499b-b531-3c23b95cf578" providerId="AD" clId="Web-{3DA6AAF7-310D-B767-A149-3B846C5DC394}" dt="2026-01-21T22:28:49.858" v="710" actId="1076"/>
-        <pc:sldMkLst>
-          <pc:docMk/>
-          <pc:sldMk cId="161895733" sldId="289"/>
-        </pc:sldMkLst>
-        <pc:spChg chg="add mod">
-          <ac:chgData name="Josef Gajda" userId="S::gajj02@vse.cz::62354765-72cf-499b-b531-3c23b95cf578" providerId="AD" clId="Web-{3DA6AAF7-310D-B767-A149-3B846C5DC394}" dt="2026-01-21T22:28:27.607" v="700" actId="14100"/>
-          <ac:spMkLst>
-            <pc:docMk/>
-            <pc:sldMk cId="161895733" sldId="289"/>
-            <ac:spMk id="3" creationId="{3215BF2E-907B-8E3C-8C7A-FA2156264019}"/>
-          </ac:spMkLst>
-        </pc:spChg>
-        <pc:spChg chg="add mod">
-          <ac:chgData name="Josef Gajda" userId="S::gajj02@vse.cz::62354765-72cf-499b-b531-3c23b95cf578" providerId="AD" clId="Web-{3DA6AAF7-310D-B767-A149-3B846C5DC394}" dt="2026-01-21T22:28:34.576" v="703" actId="1076"/>
-          <ac:spMkLst>
-            <pc:docMk/>
-            <pc:sldMk cId="161895733" sldId="289"/>
-            <ac:spMk id="5" creationId="{33DD2C41-382B-2165-05E0-8DDA76F91605}"/>
-          </ac:spMkLst>
-        </pc:spChg>
-        <pc:spChg chg="add mod">
-          <ac:chgData name="Josef Gajda" userId="S::gajj02@vse.cz::62354765-72cf-499b-b531-3c23b95cf578" providerId="AD" clId="Web-{3DA6AAF7-310D-B767-A149-3B846C5DC394}" dt="2026-01-21T22:28:49.858" v="710" actId="1076"/>
-          <ac:spMkLst>
-            <pc:docMk/>
-            <pc:sldMk cId="161895733" sldId="289"/>
-            <ac:spMk id="6" creationId="{4621EA0E-7552-B891-04F2-72510189A5D4}"/>
-          </ac:spMkLst>
-        </pc:spChg>
-      </pc:sldChg>
-      <pc:sldChg chg="addSp delSp modSp">
-        <pc:chgData name="Josef Gajda" userId="S::gajj02@vse.cz::62354765-72cf-499b-b531-3c23b95cf578" providerId="AD" clId="Web-{3DA6AAF7-310D-B767-A149-3B846C5DC394}" dt="2026-01-21T22:28:54.045" v="711"/>
-        <pc:sldMkLst>
-          <pc:docMk/>
-          <pc:sldMk cId="3208512476" sldId="290"/>
-        </pc:sldMkLst>
-        <pc:spChg chg="add">
-          <ac:chgData name="Josef Gajda" userId="S::gajj02@vse.cz::62354765-72cf-499b-b531-3c23b95cf578" providerId="AD" clId="Web-{3DA6AAF7-310D-B767-A149-3B846C5DC394}" dt="2026-01-21T22:28:54.045" v="711"/>
-          <ac:spMkLst>
-            <pc:docMk/>
-            <pc:sldMk cId="3208512476" sldId="290"/>
-            <ac:spMk id="6" creationId="{3C664D37-2A63-C814-AD6F-BC27E4DE066A}"/>
-          </ac:spMkLst>
-        </pc:spChg>
-        <pc:picChg chg="add mod">
-          <ac:chgData name="Josef Gajda" userId="S::gajj02@vse.cz::62354765-72cf-499b-b531-3c23b95cf578" providerId="AD" clId="Web-{3DA6AAF7-310D-B767-A149-3B846C5DC394}" dt="2026-01-21T22:18:24.543" v="694"/>
-          <ac:picMkLst>
-            <pc:docMk/>
-            <pc:sldMk cId="3208512476" sldId="290"/>
-            <ac:picMk id="2" creationId="{B6CC237F-70AA-A0F3-9EA5-AE2E620E816E}"/>
-          </ac:picMkLst>
-        </pc:picChg>
-      </pc:sldChg>
-      <pc:sldChg chg="modSp">
-        <pc:chgData name="Josef Gajda" userId="S::gajj02@vse.cz::62354765-72cf-499b-b531-3c23b95cf578" providerId="AD" clId="Web-{3DA6AAF7-310D-B767-A149-3B846C5DC394}" dt="2026-01-22T00:35:24.104" v="886" actId="20577"/>
-        <pc:sldMkLst>
-          <pc:docMk/>
-          <pc:sldMk cId="1470217854" sldId="302"/>
-        </pc:sldMkLst>
-        <pc:spChg chg="mod">
-          <ac:chgData name="Josef Gajda" userId="S::gajj02@vse.cz::62354765-72cf-499b-b531-3c23b95cf578" providerId="AD" clId="Web-{3DA6AAF7-310D-B767-A149-3B846C5DC394}" dt="2026-01-22T00:35:24.104" v="886" actId="20577"/>
-          <ac:spMkLst>
-            <pc:docMk/>
-            <pc:sldMk cId="1470217854" sldId="302"/>
-            <ac:spMk id="5" creationId="{64A589A3-7E47-BA4C-CE7F-290C539CA682}"/>
-          </ac:spMkLst>
-        </pc:spChg>
-      </pc:sldChg>
-      <pc:sldChg chg="addSp">
-        <pc:chgData name="Josef Gajda" userId="S::gajj02@vse.cz::62354765-72cf-499b-b531-3c23b95cf578" providerId="AD" clId="Web-{3DA6AAF7-310D-B767-A149-3B846C5DC394}" dt="2026-01-21T22:29:00.546" v="713"/>
-        <pc:sldMkLst>
-          <pc:docMk/>
-          <pc:sldMk cId="2711665299" sldId="305"/>
-        </pc:sldMkLst>
-        <pc:spChg chg="add">
-          <ac:chgData name="Josef Gajda" userId="S::gajj02@vse.cz::62354765-72cf-499b-b531-3c23b95cf578" providerId="AD" clId="Web-{3DA6AAF7-310D-B767-A149-3B846C5DC394}" dt="2026-01-21T22:29:00.546" v="713"/>
-          <ac:spMkLst>
-            <pc:docMk/>
-            <pc:sldMk cId="2711665299" sldId="305"/>
-            <ac:spMk id="4" creationId="{D68B7DBF-9562-48AB-D20A-A1A7BB83E7EC}"/>
-          </ac:spMkLst>
-        </pc:spChg>
-      </pc:sldChg>
-      <pc:sldChg chg="modSp">
-        <pc:chgData name="Josef Gajda" userId="S::gajj02@vse.cz::62354765-72cf-499b-b531-3c23b95cf578" providerId="AD" clId="Web-{3DA6AAF7-310D-B767-A149-3B846C5DC394}" dt="2026-01-22T00:07:01.114" v="761" actId="20577"/>
-        <pc:sldMkLst>
-          <pc:docMk/>
-          <pc:sldMk cId="353513182" sldId="307"/>
-        </pc:sldMkLst>
-        <pc:spChg chg="mod">
-          <ac:chgData name="Josef Gajda" userId="S::gajj02@vse.cz::62354765-72cf-499b-b531-3c23b95cf578" providerId="AD" clId="Web-{3DA6AAF7-310D-B767-A149-3B846C5DC394}" dt="2026-01-22T00:07:01.114" v="761" actId="20577"/>
-          <ac:spMkLst>
-            <pc:docMk/>
-            <pc:sldMk cId="353513182" sldId="307"/>
-            <ac:spMk id="5" creationId="{5FF84314-0B21-7C0E-78E4-4A688D0F7A99}"/>
-          </ac:spMkLst>
-        </pc:spChg>
-      </pc:sldChg>
-      <pc:sldChg chg="modSp">
-        <pc:chgData name="Josef Gajda" userId="S::gajj02@vse.cz::62354765-72cf-499b-b531-3c23b95cf578" providerId="AD" clId="Web-{3DA6AAF7-310D-B767-A149-3B846C5DC394}" dt="2026-01-22T00:45:16.667" v="915" actId="20577"/>
-        <pc:sldMkLst>
-          <pc:docMk/>
-          <pc:sldMk cId="2186227856" sldId="310"/>
-        </pc:sldMkLst>
-        <pc:spChg chg="mod">
-          <ac:chgData name="Josef Gajda" userId="S::gajj02@vse.cz::62354765-72cf-499b-b531-3c23b95cf578" providerId="AD" clId="Web-{3DA6AAF7-310D-B767-A149-3B846C5DC394}" dt="2026-01-22T00:45:16.667" v="915" actId="20577"/>
-          <ac:spMkLst>
-            <pc:docMk/>
-            <pc:sldMk cId="2186227856" sldId="310"/>
-            <ac:spMk id="5" creationId="{FB158A2A-38F5-C23E-CE8E-0462C3A3994C}"/>
-          </ac:spMkLst>
-        </pc:spChg>
-      </pc:sldChg>
-      <pc:sldChg chg="delSp modSp">
-        <pc:chgData name="Josef Gajda" userId="S::gajj02@vse.cz::62354765-72cf-499b-b531-3c23b95cf578" providerId="AD" clId="Web-{3DA6AAF7-310D-B767-A149-3B846C5DC394}" dt="2026-01-21T22:12:51.055" v="692" actId="20577"/>
-        <pc:sldMkLst>
-          <pc:docMk/>
-          <pc:sldMk cId="1127815583" sldId="311"/>
-        </pc:sldMkLst>
-        <pc:spChg chg="mod">
-          <ac:chgData name="Josef Gajda" userId="S::gajj02@vse.cz::62354765-72cf-499b-b531-3c23b95cf578" providerId="AD" clId="Web-{3DA6AAF7-310D-B767-A149-3B846C5DC394}" dt="2026-01-21T22:12:51.055" v="692" actId="20577"/>
-          <ac:spMkLst>
-            <pc:docMk/>
-            <pc:sldMk cId="1127815583" sldId="311"/>
-            <ac:spMk id="2" creationId="{457C71D1-316F-D7FD-10C1-8BEA70F3763E}"/>
-          </ac:spMkLst>
-        </pc:spChg>
-        <pc:spChg chg="mod">
-          <ac:chgData name="Josef Gajda" userId="S::gajj02@vse.cz::62354765-72cf-499b-b531-3c23b95cf578" providerId="AD" clId="Web-{3DA6AAF7-310D-B767-A149-3B846C5DC394}" dt="2026-01-21T22:04:18.459" v="573" actId="20577"/>
-          <ac:spMkLst>
-            <pc:docMk/>
-            <pc:sldMk cId="1127815583" sldId="311"/>
-            <ac:spMk id="5" creationId="{17563395-3332-0B03-CDA8-8995C28B598B}"/>
-          </ac:spMkLst>
-        </pc:spChg>
-      </pc:sldChg>
-      <pc:sldChg chg="addSp delSp modSp">
-        <pc:chgData name="Josef Gajda" userId="S::gajj02@vse.cz::62354765-72cf-499b-b531-3c23b95cf578" providerId="AD" clId="Web-{3DA6AAF7-310D-B767-A149-3B846C5DC394}" dt="2026-01-21T22:12:50.118" v="691" actId="20577"/>
-        <pc:sldMkLst>
-          <pc:docMk/>
-          <pc:sldMk cId="2492138855" sldId="312"/>
-        </pc:sldMkLst>
-        <pc:spChg chg="mod">
-          <ac:chgData name="Josef Gajda" userId="S::gajj02@vse.cz::62354765-72cf-499b-b531-3c23b95cf578" providerId="AD" clId="Web-{3DA6AAF7-310D-B767-A149-3B846C5DC394}" dt="2026-01-21T22:12:50.118" v="691" actId="20577"/>
-          <ac:spMkLst>
-            <pc:docMk/>
-            <pc:sldMk cId="2492138855" sldId="312"/>
-            <ac:spMk id="2" creationId="{D3FA141B-6673-DF31-1709-2B71472FA01B}"/>
-          </ac:spMkLst>
-        </pc:spChg>
-        <pc:spChg chg="mod">
-          <ac:chgData name="Josef Gajda" userId="S::gajj02@vse.cz::62354765-72cf-499b-b531-3c23b95cf578" providerId="AD" clId="Web-{3DA6AAF7-310D-B767-A149-3B846C5DC394}" dt="2026-01-21T19:20:54.990" v="126" actId="20577"/>
-          <ac:spMkLst>
-            <pc:docMk/>
-            <pc:sldMk cId="2492138855" sldId="312"/>
-            <ac:spMk id="5" creationId="{FE20289F-1709-9F7C-C929-1064A8EB14C8}"/>
-          </ac:spMkLst>
-        </pc:spChg>
-      </pc:sldChg>
-      <pc:sldChg chg="delSp modSp add replId">
-        <pc:chgData name="Josef Gajda" userId="S::gajj02@vse.cz::62354765-72cf-499b-b531-3c23b95cf578" providerId="AD" clId="Web-{3DA6AAF7-310D-B767-A149-3B846C5DC394}" dt="2026-01-21T22:12:48.586" v="690" actId="20577"/>
-        <pc:sldMkLst>
-          <pc:docMk/>
-          <pc:sldMk cId="1069951036" sldId="313"/>
-        </pc:sldMkLst>
-        <pc:spChg chg="mod">
-          <ac:chgData name="Josef Gajda" userId="S::gajj02@vse.cz::62354765-72cf-499b-b531-3c23b95cf578" providerId="AD" clId="Web-{3DA6AAF7-310D-B767-A149-3B846C5DC394}" dt="2026-01-21T22:12:48.586" v="690" actId="20577"/>
-          <ac:spMkLst>
-            <pc:docMk/>
-            <pc:sldMk cId="1069951036" sldId="313"/>
-            <ac:spMk id="2" creationId="{92545958-DC06-4114-1EB8-FB756B70B54A}"/>
-          </ac:spMkLst>
-        </pc:spChg>
-        <pc:spChg chg="mod">
-          <ac:chgData name="Josef Gajda" userId="S::gajj02@vse.cz::62354765-72cf-499b-b531-3c23b95cf578" providerId="AD" clId="Web-{3DA6AAF7-310D-B767-A149-3B846C5DC394}" dt="2026-01-21T20:02:38.444" v="372" actId="20577"/>
-          <ac:spMkLst>
-            <pc:docMk/>
-            <pc:sldMk cId="1069951036" sldId="313"/>
-            <ac:spMk id="5" creationId="{0CB5163C-B269-23CC-A3E8-F8F68E47AAF4}"/>
-          </ac:spMkLst>
-        </pc:spChg>
-      </pc:sldChg>
-      <pc:sldChg chg="modSp add replId">
-        <pc:chgData name="Josef Gajda" userId="S::gajj02@vse.cz::62354765-72cf-499b-b531-3c23b95cf578" providerId="AD" clId="Web-{3DA6AAF7-310D-B767-A149-3B846C5DC394}" dt="2026-01-21T22:12:47.024" v="689" actId="20577"/>
-        <pc:sldMkLst>
-          <pc:docMk/>
-          <pc:sldMk cId="3904643104" sldId="314"/>
-        </pc:sldMkLst>
-        <pc:spChg chg="mod">
-          <ac:chgData name="Josef Gajda" userId="S::gajj02@vse.cz::62354765-72cf-499b-b531-3c23b95cf578" providerId="AD" clId="Web-{3DA6AAF7-310D-B767-A149-3B846C5DC394}" dt="2026-01-21T22:12:47.024" v="689" actId="20577"/>
-          <ac:spMkLst>
-            <pc:docMk/>
-            <pc:sldMk cId="3904643104" sldId="314"/>
-            <ac:spMk id="2" creationId="{EDFDA05F-D504-BF77-C22E-AA0EF559784F}"/>
-          </ac:spMkLst>
-        </pc:spChg>
-        <pc:spChg chg="mod">
-          <ac:chgData name="Josef Gajda" userId="S::gajj02@vse.cz::62354765-72cf-499b-b531-3c23b95cf578" providerId="AD" clId="Web-{3DA6AAF7-310D-B767-A149-3B846C5DC394}" dt="2026-01-21T20:04:38.915" v="373" actId="20577"/>
-          <ac:spMkLst>
-            <pc:docMk/>
-            <pc:sldMk cId="3904643104" sldId="314"/>
-            <ac:spMk id="5" creationId="{A8DBB294-9EC3-871A-A714-0185B5320D83}"/>
-          </ac:spMkLst>
-        </pc:spChg>
-      </pc:sldChg>
-      <pc:sldChg chg="modSp add replId">
-        <pc:chgData name="Josef Gajda" userId="S::gajj02@vse.cz::62354765-72cf-499b-b531-3c23b95cf578" providerId="AD" clId="Web-{3DA6AAF7-310D-B767-A149-3B846C5DC394}" dt="2026-01-21T22:12:44.430" v="688" actId="20577"/>
-        <pc:sldMkLst>
-          <pc:docMk/>
-          <pc:sldMk cId="3068270015" sldId="315"/>
-        </pc:sldMkLst>
-        <pc:spChg chg="mod">
-          <ac:chgData name="Josef Gajda" userId="S::gajj02@vse.cz::62354765-72cf-499b-b531-3c23b95cf578" providerId="AD" clId="Web-{3DA6AAF7-310D-B767-A149-3B846C5DC394}" dt="2026-01-21T22:12:44.430" v="688" actId="20577"/>
-          <ac:spMkLst>
-            <pc:docMk/>
-            <pc:sldMk cId="3068270015" sldId="315"/>
-            <ac:spMk id="2" creationId="{198574A7-2AC9-0F10-62EE-D016360AE4D2}"/>
-          </ac:spMkLst>
-        </pc:spChg>
-        <pc:spChg chg="mod">
-          <ac:chgData name="Josef Gajda" userId="S::gajj02@vse.cz::62354765-72cf-499b-b531-3c23b95cf578" providerId="AD" clId="Web-{3DA6AAF7-310D-B767-A149-3B846C5DC394}" dt="2026-01-21T22:04:42.334" v="575" actId="20577"/>
-          <ac:spMkLst>
-            <pc:docMk/>
-            <pc:sldMk cId="3068270015" sldId="315"/>
-            <ac:spMk id="5" creationId="{D0ACA603-7814-95D0-4A74-6CE6BAA8CEAB}"/>
-          </ac:spMkLst>
-        </pc:spChg>
-      </pc:sldChg>
-      <pc:sldChg chg="modSp add replId">
-        <pc:chgData name="Josef Gajda" userId="S::gajj02@vse.cz::62354765-72cf-499b-b531-3c23b95cf578" providerId="AD" clId="Web-{3DA6AAF7-310D-B767-A149-3B846C5DC394}" dt="2026-01-21T22:12:42.055" v="687" actId="20577"/>
-        <pc:sldMkLst>
-          <pc:docMk/>
-          <pc:sldMk cId="1142262618" sldId="316"/>
-        </pc:sldMkLst>
-        <pc:spChg chg="mod">
-          <ac:chgData name="Josef Gajda" userId="S::gajj02@vse.cz::62354765-72cf-499b-b531-3c23b95cf578" providerId="AD" clId="Web-{3DA6AAF7-310D-B767-A149-3B846C5DC394}" dt="2026-01-21T22:12:42.055" v="687" actId="20577"/>
-          <ac:spMkLst>
-            <pc:docMk/>
-            <pc:sldMk cId="1142262618" sldId="316"/>
-            <ac:spMk id="2" creationId="{2381526F-366B-6A21-59EF-0556D1FE7AA8}"/>
-          </ac:spMkLst>
-        </pc:spChg>
-        <pc:spChg chg="mod">
-          <ac:chgData name="Josef Gajda" userId="S::gajj02@vse.cz::62354765-72cf-499b-b531-3c23b95cf578" providerId="AD" clId="Web-{3DA6AAF7-310D-B767-A149-3B846C5DC394}" dt="2026-01-21T22:05:36.102" v="586" actId="20577"/>
-          <ac:spMkLst>
-            <pc:docMk/>
-            <pc:sldMk cId="1142262618" sldId="316"/>
-            <ac:spMk id="5" creationId="{8EC2500D-7384-B760-2F87-FBE7EB0ED3BA}"/>
-          </ac:spMkLst>
-        </pc:spChg>
-      </pc:sldChg>
-      <pc:sldChg chg="modSp add replId">
-        <pc:chgData name="Josef Gajda" userId="S::gajj02@vse.cz::62354765-72cf-499b-b531-3c23b95cf578" providerId="AD" clId="Web-{3DA6AAF7-310D-B767-A149-3B846C5DC394}" dt="2026-01-21T22:18:53.903" v="696" actId="20577"/>
-        <pc:sldMkLst>
-          <pc:docMk/>
-          <pc:sldMk cId="1652108366" sldId="317"/>
-        </pc:sldMkLst>
-        <pc:spChg chg="mod">
-          <ac:chgData name="Josef Gajda" userId="S::gajj02@vse.cz::62354765-72cf-499b-b531-3c23b95cf578" providerId="AD" clId="Web-{3DA6AAF7-310D-B767-A149-3B846C5DC394}" dt="2026-01-21T22:12:37.836" v="686" actId="20577"/>
-          <ac:spMkLst>
-            <pc:docMk/>
-            <pc:sldMk cId="1652108366" sldId="317"/>
-            <ac:spMk id="2" creationId="{617300CD-9043-37D3-83D7-D6D038AADE32}"/>
-          </ac:spMkLst>
-        </pc:spChg>
-        <pc:spChg chg="mod">
-          <ac:chgData name="Josef Gajda" userId="S::gajj02@vse.cz::62354765-72cf-499b-b531-3c23b95cf578" providerId="AD" clId="Web-{3DA6AAF7-310D-B767-A149-3B846C5DC394}" dt="2026-01-21T22:18:53.903" v="696" actId="20577"/>
-          <ac:spMkLst>
-            <pc:docMk/>
-            <pc:sldMk cId="1652108366" sldId="317"/>
-            <ac:spMk id="5" creationId="{33FE851A-DED8-596E-B307-7CB2360B2667}"/>
-          </ac:spMkLst>
-        </pc:spChg>
-      </pc:sldChg>
-      <pc:sldChg chg="modSp add replId">
-        <pc:chgData name="Josef Gajda" userId="S::gajj02@vse.cz::62354765-72cf-499b-b531-3c23b95cf578" providerId="AD" clId="Web-{3DA6AAF7-310D-B767-A149-3B846C5DC394}" dt="2026-01-21T22:12:35.570" v="685" actId="20577"/>
-        <pc:sldMkLst>
-          <pc:docMk/>
-          <pc:sldMk cId="3766378359" sldId="318"/>
-        </pc:sldMkLst>
-        <pc:spChg chg="mod">
-          <ac:chgData name="Josef Gajda" userId="S::gajj02@vse.cz::62354765-72cf-499b-b531-3c23b95cf578" providerId="AD" clId="Web-{3DA6AAF7-310D-B767-A149-3B846C5DC394}" dt="2026-01-21T22:12:35.570" v="685" actId="20577"/>
-          <ac:spMkLst>
-            <pc:docMk/>
-            <pc:sldMk cId="3766378359" sldId="318"/>
-            <ac:spMk id="2" creationId="{F8D432BF-A863-EE88-7597-DC79A7D6A19C}"/>
-          </ac:spMkLst>
-        </pc:spChg>
-        <pc:spChg chg="mod">
-          <ac:chgData name="Josef Gajda" userId="S::gajj02@vse.cz::62354765-72cf-499b-b531-3c23b95cf578" providerId="AD" clId="Web-{3DA6AAF7-310D-B767-A149-3B846C5DC394}" dt="2026-01-21T22:12:31.133" v="683" actId="20577"/>
-          <ac:spMkLst>
-            <pc:docMk/>
-            <pc:sldMk cId="3766378359" sldId="318"/>
-            <ac:spMk id="5" creationId="{DBC7CE48-C36C-5BBB-53AB-5DDD9D985392}"/>
-          </ac:spMkLst>
-        </pc:spChg>
-      </pc:sldChg>
-      <pc:sldChg chg="modSp add ord replId">
-        <pc:chgData name="Josef Gajda" userId="S::gajj02@vse.cz::62354765-72cf-499b-b531-3c23b95cf578" providerId="AD" clId="Web-{3DA6AAF7-310D-B767-A149-3B846C5DC394}" dt="2026-01-22T00:23:26.416" v="872" actId="20577"/>
-        <pc:sldMkLst>
-          <pc:docMk/>
-          <pc:sldMk cId="1483808561" sldId="319"/>
-        </pc:sldMkLst>
-        <pc:spChg chg="mod">
-          <ac:chgData name="Josef Gajda" userId="S::gajj02@vse.cz::62354765-72cf-499b-b531-3c23b95cf578" providerId="AD" clId="Web-{3DA6AAF7-310D-B767-A149-3B846C5DC394}" dt="2026-01-22T00:18:31.492" v="781" actId="20577"/>
-          <ac:spMkLst>
-            <pc:docMk/>
-            <pc:sldMk cId="1483808561" sldId="319"/>
-            <ac:spMk id="2" creationId="{47535FCF-A78B-432A-CA41-751A432A8143}"/>
-          </ac:spMkLst>
-        </pc:spChg>
-        <pc:spChg chg="mod">
-          <ac:chgData name="Josef Gajda" userId="S::gajj02@vse.cz::62354765-72cf-499b-b531-3c23b95cf578" providerId="AD" clId="Web-{3DA6AAF7-310D-B767-A149-3B846C5DC394}" dt="2026-01-22T00:23:26.416" v="872" actId="20577"/>
-          <ac:spMkLst>
-            <pc:docMk/>
-            <pc:sldMk cId="1483808561" sldId="319"/>
-            <ac:spMk id="3" creationId="{BE37E10B-9BA1-22A8-9CB4-0358D44EC049}"/>
-          </ac:spMkLst>
-        </pc:spChg>
-      </pc:sldChg>
-      <pc:sldChg chg="modSp add ord replId">
-        <pc:chgData name="Josef Gajda" userId="S::gajj02@vse.cz::62354765-72cf-499b-b531-3c23b95cf578" providerId="AD" clId="Web-{3DA6AAF7-310D-B767-A149-3B846C5DC394}" dt="2026-01-22T02:30:05.761" v="920" actId="20577"/>
-        <pc:sldMkLst>
-          <pc:docMk/>
-          <pc:sldMk cId="960081320" sldId="320"/>
-        </pc:sldMkLst>
-        <pc:spChg chg="mod">
-          <ac:chgData name="Josef Gajda" userId="S::gajj02@vse.cz::62354765-72cf-499b-b531-3c23b95cf578" providerId="AD" clId="Web-{3DA6AAF7-310D-B767-A149-3B846C5DC394}" dt="2026-01-22T02:30:05.761" v="920" actId="20577"/>
-          <ac:spMkLst>
-            <pc:docMk/>
-            <pc:sldMk cId="960081320" sldId="320"/>
-            <ac:spMk id="2" creationId="{C691CB99-1D30-7FA1-A082-E047D7573036}"/>
-          </ac:spMkLst>
-        </pc:spChg>
-      </pc:sldChg>
-      <pc:sldChg chg="new del">
-        <pc:chgData name="Josef Gajda" userId="S::gajj02@vse.cz::62354765-72cf-499b-b531-3c23b95cf578" providerId="AD" clId="Web-{3DA6AAF7-310D-B767-A149-3B846C5DC394}" dt="2026-01-22T02:28:27.741" v="917"/>
-        <pc:sldMkLst>
-          <pc:docMk/>
-          <pc:sldMk cId="3735434980" sldId="320"/>
-        </pc:sldMkLst>
-      </pc:sldChg>
-    </pc:docChg>
-  </pc:docChgLst>
-  <pc:docChgLst>
-    <pc:chgData name="Josef Gajda" userId="S::gajj02@vse.cz::62354765-72cf-499b-b531-3c23b95cf578" providerId="AD" clId="Web-{6321B9DC-2E1C-36D8-B648-D8979FEBD7A0}"/>
-    <pc:docChg chg="addSld modSld sldOrd">
-      <pc:chgData name="Josef Gajda" userId="S::gajj02@vse.cz::62354765-72cf-499b-b531-3c23b95cf578" providerId="AD" clId="Web-{6321B9DC-2E1C-36D8-B648-D8979FEBD7A0}" dt="2026-01-16T17:41:55.780" v="324" actId="20577"/>
-      <pc:docMkLst>
-        <pc:docMk/>
-      </pc:docMkLst>
-      <pc:sldChg chg="modSp">
-        <pc:chgData name="Josef Gajda" userId="S::gajj02@vse.cz::62354765-72cf-499b-b531-3c23b95cf578" providerId="AD" clId="Web-{6321B9DC-2E1C-36D8-B648-D8979FEBD7A0}" dt="2026-01-16T17:30:28.779" v="2" actId="1076"/>
-        <pc:sldMkLst>
-          <pc:docMk/>
-          <pc:sldMk cId="3786549256" sldId="263"/>
-        </pc:sldMkLst>
-        <pc:spChg chg="mod">
-          <ac:chgData name="Josef Gajda" userId="S::gajj02@vse.cz::62354765-72cf-499b-b531-3c23b95cf578" providerId="AD" clId="Web-{6321B9DC-2E1C-36D8-B648-D8979FEBD7A0}" dt="2026-01-16T17:30:28.779" v="2" actId="1076"/>
-          <ac:spMkLst>
-            <pc:docMk/>
-            <pc:sldMk cId="3786549256" sldId="263"/>
-            <ac:spMk id="2" creationId="{6DC8903B-1E09-1F86-58A9-F8FAB7A289F8}"/>
-          </ac:spMkLst>
-        </pc:spChg>
-        <pc:spChg chg="mod">
-          <ac:chgData name="Josef Gajda" userId="S::gajj02@vse.cz::62354765-72cf-499b-b531-3c23b95cf578" providerId="AD" clId="Web-{6321B9DC-2E1C-36D8-B648-D8979FEBD7A0}" dt="2026-01-16T17:30:23.966" v="0" actId="20577"/>
-          <ac:spMkLst>
-            <pc:docMk/>
-            <pc:sldMk cId="3786549256" sldId="263"/>
-            <ac:spMk id="6" creationId="{FDA0EE84-57A3-437C-B722-52ACFBB5ED45}"/>
-          </ac:spMkLst>
-        </pc:spChg>
-        <pc:spChg chg="mod">
-          <ac:chgData name="Josef Gajda" userId="S::gajj02@vse.cz::62354765-72cf-499b-b531-3c23b95cf578" providerId="AD" clId="Web-{6321B9DC-2E1C-36D8-B648-D8979FEBD7A0}" dt="2026-01-16T17:30:27.263" v="1" actId="1076"/>
-          <ac:spMkLst>
-            <pc:docMk/>
-            <pc:sldMk cId="3786549256" sldId="263"/>
-            <ac:spMk id="9" creationId="{C9002A16-94F7-4B76-9824-2D769080A319}"/>
-          </ac:spMkLst>
-        </pc:spChg>
-      </pc:sldChg>
-      <pc:sldChg chg="modSp add ord replId">
-        <pc:chgData name="Josef Gajda" userId="S::gajj02@vse.cz::62354765-72cf-499b-b531-3c23b95cf578" providerId="AD" clId="Web-{6321B9DC-2E1C-36D8-B648-D8979FEBD7A0}" dt="2026-01-16T17:33:51.082" v="99" actId="20577"/>
-        <pc:sldMkLst>
-          <pc:docMk/>
-          <pc:sldMk cId="3371554829" sldId="285"/>
-        </pc:sldMkLst>
-        <pc:spChg chg="mod">
-          <ac:chgData name="Josef Gajda" userId="S::gajj02@vse.cz::62354765-72cf-499b-b531-3c23b95cf578" providerId="AD" clId="Web-{6321B9DC-2E1C-36D8-B648-D8979FEBD7A0}" dt="2026-01-16T17:31:32.250" v="13" actId="20577"/>
-          <ac:spMkLst>
-            <pc:docMk/>
-            <pc:sldMk cId="3371554829" sldId="285"/>
-            <ac:spMk id="2" creationId="{AE20190B-10AB-FE4F-BE28-D7C553CD31E1}"/>
-          </ac:spMkLst>
-        </pc:spChg>
-        <pc:spChg chg="mod">
-          <ac:chgData name="Josef Gajda" userId="S::gajj02@vse.cz::62354765-72cf-499b-b531-3c23b95cf578" providerId="AD" clId="Web-{6321B9DC-2E1C-36D8-B648-D8979FEBD7A0}" dt="2026-01-16T17:33:51.082" v="99" actId="20577"/>
-          <ac:spMkLst>
-            <pc:docMk/>
-            <pc:sldMk cId="3371554829" sldId="285"/>
-            <ac:spMk id="3" creationId="{A7A3DD61-5D0E-FEC1-F1B6-14403E135E10}"/>
-          </ac:spMkLst>
-        </pc:spChg>
-      </pc:sldChg>
-      <pc:sldChg chg="addSp delSp modSp add replId">
-        <pc:chgData name="Josef Gajda" userId="S::gajj02@vse.cz::62354765-72cf-499b-b531-3c23b95cf578" providerId="AD" clId="Web-{6321B9DC-2E1C-36D8-B648-D8979FEBD7A0}" dt="2026-01-16T17:38:57.916" v="264" actId="1076"/>
-        <pc:sldMkLst>
-          <pc:docMk/>
-          <pc:sldMk cId="2670353907" sldId="286"/>
-        </pc:sldMkLst>
-        <pc:spChg chg="mod">
-          <ac:chgData name="Josef Gajda" userId="S::gajj02@vse.cz::62354765-72cf-499b-b531-3c23b95cf578" providerId="AD" clId="Web-{6321B9DC-2E1C-36D8-B648-D8979FEBD7A0}" dt="2026-01-16T17:35:18.928" v="125" actId="20577"/>
-          <ac:spMkLst>
-            <pc:docMk/>
-            <pc:sldMk cId="2670353907" sldId="286"/>
-            <ac:spMk id="2" creationId="{EF05E228-022B-98D6-AEDC-169019558917}"/>
-          </ac:spMkLst>
-        </pc:spChg>
-        <pc:picChg chg="add mod ord">
-          <ac:chgData name="Josef Gajda" userId="S::gajj02@vse.cz::62354765-72cf-499b-b531-3c23b95cf578" providerId="AD" clId="Web-{6321B9DC-2E1C-36D8-B648-D8979FEBD7A0}" dt="2026-01-16T17:38:57.916" v="264" actId="1076"/>
-          <ac:picMkLst>
-            <pc:docMk/>
-            <pc:sldMk cId="2670353907" sldId="286"/>
-            <ac:picMk id="7" creationId="{330D1722-B461-E92F-4D03-B1DD2F2AD2CD}"/>
-          </ac:picMkLst>
-        </pc:picChg>
-      </pc:sldChg>
-      <pc:sldChg chg="addSp delSp modSp add ord replId">
-        <pc:chgData name="Josef Gajda" userId="S::gajj02@vse.cz::62354765-72cf-499b-b531-3c23b95cf578" providerId="AD" clId="Web-{6321B9DC-2E1C-36D8-B648-D8979FEBD7A0}" dt="2026-01-16T17:37:56.493" v="261" actId="1076"/>
-        <pc:sldMkLst>
-          <pc:docMk/>
-          <pc:sldMk cId="979550918" sldId="287"/>
-        </pc:sldMkLst>
-        <pc:spChg chg="mod">
-          <ac:chgData name="Josef Gajda" userId="S::gajj02@vse.cz::62354765-72cf-499b-b531-3c23b95cf578" providerId="AD" clId="Web-{6321B9DC-2E1C-36D8-B648-D8979FEBD7A0}" dt="2026-01-16T17:35:43.710" v="143" actId="20577"/>
-          <ac:spMkLst>
-            <pc:docMk/>
-            <pc:sldMk cId="979550918" sldId="287"/>
-            <ac:spMk id="2" creationId="{180C7360-CEC3-38E7-C3AB-CA5E3E159C8A}"/>
-          </ac:spMkLst>
-        </pc:spChg>
-        <pc:graphicFrameChg chg="add mod modGraphic">
-          <ac:chgData name="Josef Gajda" userId="S::gajj02@vse.cz::62354765-72cf-499b-b531-3c23b95cf578" providerId="AD" clId="Web-{6321B9DC-2E1C-36D8-B648-D8979FEBD7A0}" dt="2026-01-16T17:37:56.493" v="261" actId="1076"/>
-          <ac:graphicFrameMkLst>
-            <pc:docMk/>
-            <pc:sldMk cId="979550918" sldId="287"/>
-            <ac:graphicFrameMk id="10" creationId="{44CAF72F-1652-D1B1-A81F-A6CC904A0F78}"/>
-          </ac:graphicFrameMkLst>
-        </pc:graphicFrameChg>
-      </pc:sldChg>
-      <pc:sldChg chg="addSp delSp modSp add ord replId">
-        <pc:chgData name="Josef Gajda" userId="S::gajj02@vse.cz::62354765-72cf-499b-b531-3c23b95cf578" providerId="AD" clId="Web-{6321B9DC-2E1C-36D8-B648-D8979FEBD7A0}" dt="2026-01-16T17:41:55.780" v="324" actId="20577"/>
-        <pc:sldMkLst>
-          <pc:docMk/>
-          <pc:sldMk cId="389235768" sldId="288"/>
-        </pc:sldMkLst>
-        <pc:spChg chg="mod">
-          <ac:chgData name="Josef Gajda" userId="S::gajj02@vse.cz::62354765-72cf-499b-b531-3c23b95cf578" providerId="AD" clId="Web-{6321B9DC-2E1C-36D8-B648-D8979FEBD7A0}" dt="2026-01-16T17:41:34.965" v="318"/>
-          <ac:spMkLst>
-            <pc:docMk/>
-            <pc:sldMk cId="389235768" sldId="288"/>
-            <ac:spMk id="2" creationId="{CF315AC6-780A-CF4E-6FD0-725FE51F645F}"/>
-          </ac:spMkLst>
-        </pc:spChg>
-        <pc:graphicFrameChg chg="add modGraphic">
-          <ac:chgData name="Josef Gajda" userId="S::gajj02@vse.cz::62354765-72cf-499b-b531-3c23b95cf578" providerId="AD" clId="Web-{6321B9DC-2E1C-36D8-B648-D8979FEBD7A0}" dt="2026-01-16T17:41:55.780" v="324" actId="20577"/>
-          <ac:graphicFrameMkLst>
-            <pc:docMk/>
-            <pc:sldMk cId="389235768" sldId="288"/>
-            <ac:graphicFrameMk id="6" creationId="{A3FBD296-D9E7-822C-FDE5-E35DA794D4D6}"/>
-          </ac:graphicFrameMkLst>
-        </pc:graphicFrameChg>
-      </pc:sldChg>
-    </pc:docChg>
-  </pc:docChgLst>
-  <pc:docChgLst>
-    <pc:chgData name="Josef Gajda" userId="S::gajj02@vse.cz::62354765-72cf-499b-b531-3c23b95cf578" providerId="AD" clId="Web-{00BA2C0D-C2C9-04D3-18DD-D281CCE3E04C}"/>
-    <pc:docChg chg="addSld delSld modSld">
-      <pc:chgData name="Josef Gajda" userId="S::gajj02@vse.cz::62354765-72cf-499b-b531-3c23b95cf578" providerId="AD" clId="Web-{00BA2C0D-C2C9-04D3-18DD-D281CCE3E04C}" dt="2026-01-19T15:58:16.971" v="18"/>
-      <pc:docMkLst>
-        <pc:docMk/>
-      </pc:docMkLst>
-      <pc:sldChg chg="modSp">
-        <pc:chgData name="Josef Gajda" userId="S::gajj02@vse.cz::62354765-72cf-499b-b531-3c23b95cf578" providerId="AD" clId="Web-{00BA2C0D-C2C9-04D3-18DD-D281CCE3E04C}" dt="2026-01-18T02:25:00.226" v="6"/>
-        <pc:sldMkLst>
-          <pc:docMk/>
-          <pc:sldMk cId="979550918" sldId="287"/>
-        </pc:sldMkLst>
-        <pc:graphicFrameChg chg="mod modGraphic">
-          <ac:chgData name="Josef Gajda" userId="S::gajj02@vse.cz::62354765-72cf-499b-b531-3c23b95cf578" providerId="AD" clId="Web-{00BA2C0D-C2C9-04D3-18DD-D281CCE3E04C}" dt="2026-01-18T02:25:00.226" v="6"/>
-          <ac:graphicFrameMkLst>
-            <pc:docMk/>
-            <pc:sldMk cId="979550918" sldId="287"/>
-            <ac:graphicFrameMk id="10" creationId="{44CAF72F-1652-D1B1-A81F-A6CC904A0F78}"/>
-          </ac:graphicFrameMkLst>
-        </pc:graphicFrameChg>
-      </pc:sldChg>
-      <pc:sldChg chg="addSp delSp modSp">
-        <pc:chgData name="Josef Gajda" userId="S::gajj02@vse.cz::62354765-72cf-499b-b531-3c23b95cf578" providerId="AD" clId="Web-{00BA2C0D-C2C9-04D3-18DD-D281CCE3E04C}" dt="2026-01-19T15:58:16.971" v="18"/>
-        <pc:sldMkLst>
-          <pc:docMk/>
-          <pc:sldMk cId="161895733" sldId="289"/>
-        </pc:sldMkLst>
-        <pc:picChg chg="add mod">
-          <ac:chgData name="Josef Gajda" userId="S::gajj02@vse.cz::62354765-72cf-499b-b531-3c23b95cf578" providerId="AD" clId="Web-{00BA2C0D-C2C9-04D3-18DD-D281CCE3E04C}" dt="2026-01-19T15:58:16.971" v="18"/>
-          <ac:picMkLst>
-            <pc:docMk/>
-            <pc:sldMk cId="161895733" sldId="289"/>
-            <ac:picMk id="4" creationId="{0A1C585F-A8E6-65CA-A7C4-8B12901ED814}"/>
-          </ac:picMkLst>
-        </pc:picChg>
-      </pc:sldChg>
-    </pc:docChg>
-  </pc:docChgLst>
-  <pc:docChgLst>
-    <pc:chgData name="Josef Gajda" userId="S::gajj02@vse.cz::62354765-72cf-499b-b531-3c23b95cf578" providerId="AD" clId="Web-{87743932-AB8F-C2B4-1552-FFABAB702C03}"/>
-    <pc:docChg chg="mod addSld delSld modSld sldOrd">
-      <pc:chgData name="Josef Gajda" userId="S::gajj02@vse.cz::62354765-72cf-499b-b531-3c23b95cf578" providerId="AD" clId="Web-{87743932-AB8F-C2B4-1552-FFABAB702C03}" dt="2026-01-19T22:13:24.716" v="1916" actId="1076"/>
-      <pc:docMkLst>
-        <pc:docMk/>
-      </pc:docMkLst>
-      <pc:sldChg chg="modSp">
-        <pc:chgData name="Josef Gajda" userId="S::gajj02@vse.cz::62354765-72cf-499b-b531-3c23b95cf578" providerId="AD" clId="Web-{87743932-AB8F-C2B4-1552-FFABAB702C03}" dt="2026-01-19T21:17:26.410" v="1339" actId="20577"/>
-        <pc:sldMkLst>
-          <pc:docMk/>
-          <pc:sldMk cId="3371554829" sldId="285"/>
-        </pc:sldMkLst>
-        <pc:spChg chg="mod">
-          <ac:chgData name="Josef Gajda" userId="S::gajj02@vse.cz::62354765-72cf-499b-b531-3c23b95cf578" providerId="AD" clId="Web-{87743932-AB8F-C2B4-1552-FFABAB702C03}" dt="2026-01-19T20:57:54.229" v="1321" actId="20577"/>
-          <ac:spMkLst>
-            <pc:docMk/>
-            <pc:sldMk cId="3371554829" sldId="285"/>
-            <ac:spMk id="2" creationId="{AE20190B-10AB-FE4F-BE28-D7C553CD31E1}"/>
-          </ac:spMkLst>
-        </pc:spChg>
-        <pc:spChg chg="mod">
-          <ac:chgData name="Josef Gajda" userId="S::gajj02@vse.cz::62354765-72cf-499b-b531-3c23b95cf578" providerId="AD" clId="Web-{87743932-AB8F-C2B4-1552-FFABAB702C03}" dt="2026-01-19T21:17:26.410" v="1339" actId="20577"/>
-          <ac:spMkLst>
-            <pc:docMk/>
-            <pc:sldMk cId="3371554829" sldId="285"/>
-            <ac:spMk id="3" creationId="{A7A3DD61-5D0E-FEC1-F1B6-14403E135E10}"/>
-          </ac:spMkLst>
-        </pc:spChg>
-      </pc:sldChg>
-      <pc:sldChg chg="modSp">
-        <pc:chgData name="Josef Gajda" userId="S::gajj02@vse.cz::62354765-72cf-499b-b531-3c23b95cf578" providerId="AD" clId="Web-{87743932-AB8F-C2B4-1552-FFABAB702C03}" dt="2026-01-19T20:15:08.868" v="1318" actId="20577"/>
-        <pc:sldMkLst>
-          <pc:docMk/>
-          <pc:sldMk cId="389235768" sldId="288"/>
-        </pc:sldMkLst>
-        <pc:graphicFrameChg chg="mod modGraphic">
-          <ac:chgData name="Josef Gajda" userId="S::gajj02@vse.cz::62354765-72cf-499b-b531-3c23b95cf578" providerId="AD" clId="Web-{87743932-AB8F-C2B4-1552-FFABAB702C03}" dt="2026-01-19T20:15:08.868" v="1318" actId="20577"/>
-          <ac:graphicFrameMkLst>
-            <pc:docMk/>
-            <pc:sldMk cId="389235768" sldId="288"/>
-            <ac:graphicFrameMk id="6" creationId="{A3FBD296-D9E7-822C-FDE5-E35DA794D4D6}"/>
-          </ac:graphicFrameMkLst>
-        </pc:graphicFrameChg>
-      </pc:sldChg>
-      <pc:sldChg chg="addSp delSp modSp">
-        <pc:chgData name="Josef Gajda" userId="S::gajj02@vse.cz::62354765-72cf-499b-b531-3c23b95cf578" providerId="AD" clId="Web-{87743932-AB8F-C2B4-1552-FFABAB702C03}" dt="2026-01-19T21:33:41.727" v="1371" actId="1076"/>
-        <pc:sldMkLst>
-          <pc:docMk/>
-          <pc:sldMk cId="3208512476" sldId="290"/>
-        </pc:sldMkLst>
-        <pc:spChg chg="mod">
-          <ac:chgData name="Josef Gajda" userId="S::gajj02@vse.cz::62354765-72cf-499b-b531-3c23b95cf578" providerId="AD" clId="Web-{87743932-AB8F-C2B4-1552-FFABAB702C03}" dt="2026-01-19T21:30:08.256" v="1357" actId="20577"/>
-          <ac:spMkLst>
-            <pc:docMk/>
-            <pc:sldMk cId="3208512476" sldId="290"/>
-            <ac:spMk id="5" creationId="{D64A49A2-6ABA-F7D3-31DD-B67F538789A2}"/>
-          </ac:spMkLst>
-        </pc:spChg>
-        <pc:spChg chg="add mod ord">
-          <ac:chgData name="Josef Gajda" userId="S::gajj02@vse.cz::62354765-72cf-499b-b531-3c23b95cf578" providerId="AD" clId="Web-{87743932-AB8F-C2B4-1552-FFABAB702C03}" dt="2026-01-19T21:33:41.727" v="1371" actId="1076"/>
-          <ac:spMkLst>
-            <pc:docMk/>
-            <pc:sldMk cId="3208512476" sldId="290"/>
-            <ac:spMk id="7" creationId="{7AA47A80-85D3-2782-626B-0826AF09E224}"/>
-          </ac:spMkLst>
-        </pc:spChg>
-      </pc:sldChg>
-      <pc:sldChg chg="modSp">
-        <pc:chgData name="Josef Gajda" userId="S::gajj02@vse.cz::62354765-72cf-499b-b531-3c23b95cf578" providerId="AD" clId="Web-{87743932-AB8F-C2B4-1552-FFABAB702C03}" dt="2026-01-19T16:12:50.878" v="769" actId="20577"/>
-        <pc:sldMkLst>
-          <pc:docMk/>
-          <pc:sldMk cId="1704497468" sldId="291"/>
-        </pc:sldMkLst>
-        <pc:spChg chg="mod">
-          <ac:chgData name="Josef Gajda" userId="S::gajj02@vse.cz::62354765-72cf-499b-b531-3c23b95cf578" providerId="AD" clId="Web-{87743932-AB8F-C2B4-1552-FFABAB702C03}" dt="2026-01-19T16:12:50.878" v="769" actId="20577"/>
-          <ac:spMkLst>
-            <pc:docMk/>
-            <pc:sldMk cId="1704497468" sldId="291"/>
-            <ac:spMk id="5" creationId="{32A233AC-4C52-8DDC-7ECB-DD990573FD2D}"/>
-          </ac:spMkLst>
-        </pc:spChg>
-      </pc:sldChg>
-      <pc:sldChg chg="addSp modSp">
-        <pc:chgData name="Josef Gajda" userId="S::gajj02@vse.cz::62354765-72cf-499b-b531-3c23b95cf578" providerId="AD" clId="Web-{87743932-AB8F-C2B4-1552-FFABAB702C03}" dt="2026-01-19T16:23:37.958" v="1070" actId="20577"/>
-        <pc:sldMkLst>
-          <pc:docMk/>
-          <pc:sldMk cId="710634714" sldId="292"/>
-        </pc:sldMkLst>
-        <pc:spChg chg="mod">
-          <ac:chgData name="Josef Gajda" userId="S::gajj02@vse.cz::62354765-72cf-499b-b531-3c23b95cf578" providerId="AD" clId="Web-{87743932-AB8F-C2B4-1552-FFABAB702C03}" dt="2026-01-19T16:14:24.771" v="782" actId="20577"/>
-          <ac:spMkLst>
-            <pc:docMk/>
-            <pc:sldMk cId="710634714" sldId="292"/>
-            <ac:spMk id="2" creationId="{3DC0FF42-EB81-A36D-292B-FF84665A3D2F}"/>
-          </ac:spMkLst>
-        </pc:spChg>
-        <pc:spChg chg="add mod">
-          <ac:chgData name="Josef Gajda" userId="S::gajj02@vse.cz::62354765-72cf-499b-b531-3c23b95cf578" providerId="AD" clId="Web-{87743932-AB8F-C2B4-1552-FFABAB702C03}" dt="2026-01-19T16:23:26.503" v="1067" actId="1076"/>
-          <ac:spMkLst>
-            <pc:docMk/>
-            <pc:sldMk cId="710634714" sldId="292"/>
-            <ac:spMk id="3" creationId="{8D36C50A-CDEF-B036-B486-78219BEF21AC}"/>
-          </ac:spMkLst>
-        </pc:spChg>
-        <pc:spChg chg="mod">
-          <ac:chgData name="Josef Gajda" userId="S::gajj02@vse.cz::62354765-72cf-499b-b531-3c23b95cf578" providerId="AD" clId="Web-{87743932-AB8F-C2B4-1552-FFABAB702C03}" dt="2026-01-19T16:23:37.958" v="1070" actId="20577"/>
-          <ac:spMkLst>
-            <pc:docMk/>
-            <pc:sldMk cId="710634714" sldId="292"/>
-            <ac:spMk id="5" creationId="{0E8A8DF2-D19B-0560-1568-139BF791E551}"/>
-          </ac:spMkLst>
-        </pc:spChg>
-      </pc:sldChg>
-      <pc:sldChg chg="modSp add del ord replId">
-        <pc:chgData name="Josef Gajda" userId="S::gajj02@vse.cz::62354765-72cf-499b-b531-3c23b95cf578" providerId="AD" clId="Web-{87743932-AB8F-C2B4-1552-FFABAB702C03}" dt="2026-01-19T16:31:15.319" v="1282" actId="20577"/>
-        <pc:sldMkLst>
-          <pc:docMk/>
-          <pc:sldMk cId="1470217854" sldId="302"/>
-        </pc:sldMkLst>
-        <pc:spChg chg="mod">
-          <ac:chgData name="Josef Gajda" userId="S::gajj02@vse.cz::62354765-72cf-499b-b531-3c23b95cf578" providerId="AD" clId="Web-{87743932-AB8F-C2B4-1552-FFABAB702C03}" dt="2026-01-19T16:27:26.647" v="1155" actId="20577"/>
-          <ac:spMkLst>
-            <pc:docMk/>
-            <pc:sldMk cId="1470217854" sldId="302"/>
-            <ac:spMk id="2" creationId="{271B9445-137E-1896-E8CF-CB48839F8249}"/>
-          </ac:spMkLst>
-        </pc:spChg>
-        <pc:spChg chg="mod">
-          <ac:chgData name="Josef Gajda" userId="S::gajj02@vse.cz::62354765-72cf-499b-b531-3c23b95cf578" providerId="AD" clId="Web-{87743932-AB8F-C2B4-1552-FFABAB702C03}" dt="2026-01-19T16:31:15.319" v="1282" actId="20577"/>
-          <ac:spMkLst>
-            <pc:docMk/>
-            <pc:sldMk cId="1470217854" sldId="302"/>
-            <ac:spMk id="5" creationId="{64A589A3-7E47-BA4C-CE7F-290C539CA682}"/>
-          </ac:spMkLst>
-        </pc:spChg>
-      </pc:sldChg>
-      <pc:sldChg chg="addSp delSp modSp add ord replId">
-        <pc:chgData name="Josef Gajda" userId="S::gajj02@vse.cz::62354765-72cf-499b-b531-3c23b95cf578" providerId="AD" clId="Web-{87743932-AB8F-C2B4-1552-FFABAB702C03}" dt="2026-01-17T14:40:38.609" v="538"/>
-        <pc:sldMkLst>
-          <pc:docMk/>
-          <pc:sldMk cId="2738862015" sldId="304"/>
-        </pc:sldMkLst>
-        <pc:spChg chg="mod">
-          <ac:chgData name="Josef Gajda" userId="S::gajj02@vse.cz::62354765-72cf-499b-b531-3c23b95cf578" providerId="AD" clId="Web-{87743932-AB8F-C2B4-1552-FFABAB702C03}" dt="2026-01-17T14:40:11.811" v="524" actId="1076"/>
-          <ac:spMkLst>
-            <pc:docMk/>
-            <pc:sldMk cId="2738862015" sldId="304"/>
-            <ac:spMk id="2" creationId="{96CDE399-8592-BD80-94F3-1F5B4ABADAC5}"/>
-          </ac:spMkLst>
-        </pc:spChg>
-        <pc:graphicFrameChg chg="add mod ord modGraphic">
-          <ac:chgData name="Josef Gajda" userId="S::gajj02@vse.cz::62354765-72cf-499b-b531-3c23b95cf578" providerId="AD" clId="Web-{87743932-AB8F-C2B4-1552-FFABAB702C03}" dt="2026-01-17T14:40:38.609" v="538"/>
-          <ac:graphicFrameMkLst>
-            <pc:docMk/>
-            <pc:sldMk cId="2738862015" sldId="304"/>
-            <ac:graphicFrameMk id="7" creationId="{56BC519D-5A7C-3D5E-E006-E1156D35BB62}"/>
-          </ac:graphicFrameMkLst>
-        </pc:graphicFrameChg>
-      </pc:sldChg>
-      <pc:sldChg chg="addSp delSp modSp add replId">
-        <pc:chgData name="Josef Gajda" userId="S::gajj02@vse.cz::62354765-72cf-499b-b531-3c23b95cf578" providerId="AD" clId="Web-{87743932-AB8F-C2B4-1552-FFABAB702C03}" dt="2026-01-17T14:38:31.133" v="499" actId="1076"/>
-        <pc:sldMkLst>
-          <pc:docMk/>
-          <pc:sldMk cId="2711665299" sldId="305"/>
-        </pc:sldMkLst>
-        <pc:spChg chg="mod">
-          <ac:chgData name="Josef Gajda" userId="S::gajj02@vse.cz::62354765-72cf-499b-b531-3c23b95cf578" providerId="AD" clId="Web-{87743932-AB8F-C2B4-1552-FFABAB702C03}" dt="2026-01-17T14:38:21.944" v="493" actId="20577"/>
-          <ac:spMkLst>
-            <pc:docMk/>
-            <pc:sldMk cId="2711665299" sldId="305"/>
-            <ac:spMk id="2" creationId="{900216F3-193C-4660-8F6D-E2DFD6390BD0}"/>
-          </ac:spMkLst>
-        </pc:spChg>
-        <pc:picChg chg="add mod ord">
-          <ac:chgData name="Josef Gajda" userId="S::gajj02@vse.cz::62354765-72cf-499b-b531-3c23b95cf578" providerId="AD" clId="Web-{87743932-AB8F-C2B4-1552-FFABAB702C03}" dt="2026-01-17T14:38:31.133" v="499" actId="1076"/>
-          <ac:picMkLst>
-            <pc:docMk/>
-            <pc:sldMk cId="2711665299" sldId="305"/>
-            <ac:picMk id="5" creationId="{1FE58825-0972-9EEE-F332-2CFDD4E78BCD}"/>
-          </ac:picMkLst>
-        </pc:picChg>
-      </pc:sldChg>
-      <pc:sldChg chg="addSp delSp modSp add replId">
-        <pc:chgData name="Josef Gajda" userId="S::gajj02@vse.cz::62354765-72cf-499b-b531-3c23b95cf578" providerId="AD" clId="Web-{87743932-AB8F-C2B4-1552-FFABAB702C03}" dt="2026-01-19T16:23:07.202" v="1063" actId="20577"/>
-        <pc:sldMkLst>
-          <pc:docMk/>
-          <pc:sldMk cId="427124657" sldId="306"/>
-        </pc:sldMkLst>
-        <pc:spChg chg="mod">
-          <ac:chgData name="Josef Gajda" userId="S::gajj02@vse.cz::62354765-72cf-499b-b531-3c23b95cf578" providerId="AD" clId="Web-{87743932-AB8F-C2B4-1552-FFABAB702C03}" dt="2026-01-19T16:23:07.202" v="1063" actId="20577"/>
-          <ac:spMkLst>
-            <pc:docMk/>
-            <pc:sldMk cId="427124657" sldId="306"/>
-            <ac:spMk id="5" creationId="{A122E33F-8E18-5BED-8729-08DCC1FA411B}"/>
-          </ac:spMkLst>
-        </pc:spChg>
-      </pc:sldChg>
-      <pc:sldChg chg="modSp add replId">
-        <pc:chgData name="Josef Gajda" userId="S::gajj02@vse.cz::62354765-72cf-499b-b531-3c23b95cf578" providerId="AD" clId="Web-{87743932-AB8F-C2B4-1552-FFABAB702C03}" dt="2026-01-19T16:23:03.107" v="1061" actId="20577"/>
-        <pc:sldMkLst>
-          <pc:docMk/>
-          <pc:sldMk cId="353513182" sldId="307"/>
-        </pc:sldMkLst>
-        <pc:spChg chg="mod">
-          <ac:chgData name="Josef Gajda" userId="S::gajj02@vse.cz::62354765-72cf-499b-b531-3c23b95cf578" providerId="AD" clId="Web-{87743932-AB8F-C2B4-1552-FFABAB702C03}" dt="2026-01-19T16:23:03.107" v="1061" actId="20577"/>
-          <ac:spMkLst>
-            <pc:docMk/>
-            <pc:sldMk cId="353513182" sldId="307"/>
-            <ac:spMk id="5" creationId="{5FF84314-0B21-7C0E-78E4-4A688D0F7A99}"/>
-          </ac:spMkLst>
-        </pc:spChg>
-      </pc:sldChg>
-      <pc:sldChg chg="modSp add replId">
-        <pc:chgData name="Josef Gajda" userId="S::gajj02@vse.cz::62354765-72cf-499b-b531-3c23b95cf578" providerId="AD" clId="Web-{87743932-AB8F-C2B4-1552-FFABAB702C03}" dt="2026-01-19T16:22:52.809" v="1054" actId="20577"/>
-        <pc:sldMkLst>
-          <pc:docMk/>
-          <pc:sldMk cId="2975686908" sldId="308"/>
-        </pc:sldMkLst>
-        <pc:spChg chg="mod">
-          <ac:chgData name="Josef Gajda" userId="S::gajj02@vse.cz::62354765-72cf-499b-b531-3c23b95cf578" providerId="AD" clId="Web-{87743932-AB8F-C2B4-1552-FFABAB702C03}" dt="2026-01-19T16:22:52.809" v="1054" actId="20577"/>
-          <ac:spMkLst>
-            <pc:docMk/>
-            <pc:sldMk cId="2975686908" sldId="308"/>
-            <ac:spMk id="5" creationId="{E8C64116-82B1-56D4-21BC-5B4998C8083D}"/>
-          </ac:spMkLst>
-        </pc:spChg>
-      </pc:sldChg>
-      <pc:sldChg chg="add replId">
-        <pc:chgData name="Josef Gajda" userId="S::gajj02@vse.cz::62354765-72cf-499b-b531-3c23b95cf578" providerId="AD" clId="Web-{87743932-AB8F-C2B4-1552-FFABAB702C03}" dt="2026-01-19T21:34:04.997" v="1372"/>
-        <pc:sldMkLst>
-          <pc:docMk/>
-          <pc:sldMk cId="2186227856" sldId="310"/>
-        </pc:sldMkLst>
-      </pc:sldChg>
-      <pc:sldChg chg="addSp delSp modSp add ord replId">
-        <pc:chgData name="Josef Gajda" userId="S::gajj02@vse.cz::62354765-72cf-499b-b531-3c23b95cf578" providerId="AD" clId="Web-{87743932-AB8F-C2B4-1552-FFABAB702C03}" dt="2026-01-19T22:12:16.761" v="1898" actId="1076"/>
-        <pc:sldMkLst>
-          <pc:docMk/>
-          <pc:sldMk cId="1127815583" sldId="311"/>
-        </pc:sldMkLst>
-        <pc:spChg chg="mod">
-          <ac:chgData name="Josef Gajda" userId="S::gajj02@vse.cz::62354765-72cf-499b-b531-3c23b95cf578" providerId="AD" clId="Web-{87743932-AB8F-C2B4-1552-FFABAB702C03}" dt="2026-01-19T22:06:03.478" v="1770" actId="20577"/>
-          <ac:spMkLst>
-            <pc:docMk/>
-            <pc:sldMk cId="1127815583" sldId="311"/>
-            <ac:spMk id="2" creationId="{457C71D1-316F-D7FD-10C1-8BEA70F3763E}"/>
-          </ac:spMkLst>
-        </pc:spChg>
-        <pc:spChg chg="mod">
-          <ac:chgData name="Josef Gajda" userId="S::gajj02@vse.cz::62354765-72cf-499b-b531-3c23b95cf578" providerId="AD" clId="Web-{87743932-AB8F-C2B4-1552-FFABAB702C03}" dt="2026-01-19T22:12:13.214" v="1897" actId="20577"/>
-          <ac:spMkLst>
-            <pc:docMk/>
-            <pc:sldMk cId="1127815583" sldId="311"/>
-            <ac:spMk id="5" creationId="{17563395-3332-0B03-CDA8-8995C28B598B}"/>
-          </ac:spMkLst>
-        </pc:spChg>
-      </pc:sldChg>
-      <pc:sldChg chg="modSp add replId">
-        <pc:chgData name="Josef Gajda" userId="S::gajj02@vse.cz::62354765-72cf-499b-b531-3c23b95cf578" providerId="AD" clId="Web-{87743932-AB8F-C2B4-1552-FFABAB702C03}" dt="2026-01-19T22:13:24.716" v="1916" actId="1076"/>
-        <pc:sldMkLst>
-          <pc:docMk/>
-          <pc:sldMk cId="2492138855" sldId="312"/>
-        </pc:sldMkLst>
-        <pc:spChg chg="mod">
-          <ac:chgData name="Josef Gajda" userId="S::gajj02@vse.cz::62354765-72cf-499b-b531-3c23b95cf578" providerId="AD" clId="Web-{87743932-AB8F-C2B4-1552-FFABAB702C03}" dt="2026-01-19T22:13:23.701" v="1915" actId="20577"/>
-          <ac:spMkLst>
-            <pc:docMk/>
-            <pc:sldMk cId="2492138855" sldId="312"/>
-            <ac:spMk id="5" creationId="{FE20289F-1709-9F7C-C929-1064A8EB14C8}"/>
-          </ac:spMkLst>
-        </pc:spChg>
-      </pc:sldChg>
-    </pc:docChg>
-  </pc:docChgLst>
-  <pc:docChgLst>
-    <pc:chgData name="Josef Gajda" userId="S::gajj02@vse.cz::62354765-72cf-499b-b531-3c23b95cf578" providerId="AD" clId="Web-{EAE51034-64F6-58B3-2B51-BAE150F01311}"/>
-    <pc:docChg chg="addSld delSld modSld">
-      <pc:chgData name="Josef Gajda" userId="S::gajj02@vse.cz::62354765-72cf-499b-b531-3c23b95cf578" providerId="AD" clId="Web-{EAE51034-64F6-58B3-2B51-BAE150F01311}" dt="2026-01-23T16:35:55.445" v="2301"/>
-      <pc:docMkLst>
-        <pc:docMk/>
-      </pc:docMkLst>
-      <pc:sldChg chg="modSp">
-        <pc:chgData name="Josef Gajda" userId="S::gajj02@vse.cz::62354765-72cf-499b-b531-3c23b95cf578" providerId="AD" clId="Web-{EAE51034-64F6-58B3-2B51-BAE150F01311}" dt="2026-01-23T15:51:33.179" v="1844" actId="20577"/>
-        <pc:sldMkLst>
-          <pc:docMk/>
-          <pc:sldMk cId="3786549256" sldId="263"/>
-        </pc:sldMkLst>
-        <pc:spChg chg="mod">
-          <ac:chgData name="Josef Gajda" userId="S::gajj02@vse.cz::62354765-72cf-499b-b531-3c23b95cf578" providerId="AD" clId="Web-{EAE51034-64F6-58B3-2B51-BAE150F01311}" dt="2026-01-23T15:51:33.179" v="1844" actId="20577"/>
-          <ac:spMkLst>
-            <pc:docMk/>
-            <pc:sldMk cId="3786549256" sldId="263"/>
-            <ac:spMk id="2" creationId="{6DC8903B-1E09-1F86-58A9-F8FAB7A289F8}"/>
-          </ac:spMkLst>
-        </pc:spChg>
-        <pc:spChg chg="mod">
-          <ac:chgData name="Josef Gajda" userId="S::gajj02@vse.cz::62354765-72cf-499b-b531-3c23b95cf578" providerId="AD" clId="Web-{EAE51034-64F6-58B3-2B51-BAE150F01311}" dt="2026-01-23T15:51:26.413" v="1839" actId="20577"/>
-          <ac:spMkLst>
-            <pc:docMk/>
-            <pc:sldMk cId="3786549256" sldId="263"/>
-            <ac:spMk id="8" creationId="{E29E5E70-22CD-4E96-8CAB-90368F655649}"/>
-          </ac:spMkLst>
-        </pc:spChg>
-      </pc:sldChg>
-      <pc:sldChg chg="modSp">
-        <pc:chgData name="Josef Gajda" userId="S::gajj02@vse.cz::62354765-72cf-499b-b531-3c23b95cf578" providerId="AD" clId="Web-{EAE51034-64F6-58B3-2B51-BAE150F01311}" dt="2026-01-23T11:43:08.237" v="23" actId="20577"/>
-        <pc:sldMkLst>
-          <pc:docMk/>
-          <pc:sldMk cId="4139299024" sldId="279"/>
-        </pc:sldMkLst>
-        <pc:spChg chg="mod">
-          <ac:chgData name="Josef Gajda" userId="S::gajj02@vse.cz::62354765-72cf-499b-b531-3c23b95cf578" providerId="AD" clId="Web-{EAE51034-64F6-58B3-2B51-BAE150F01311}" dt="2026-01-23T11:43:08.237" v="23" actId="20577"/>
-          <ac:spMkLst>
-            <pc:docMk/>
-            <pc:sldMk cId="4139299024" sldId="279"/>
-            <ac:spMk id="3" creationId="{8D0D4454-B025-E60E-9BD8-C5222B9054CD}"/>
-          </ac:spMkLst>
-        </pc:spChg>
-      </pc:sldChg>
-      <pc:sldChg chg="addSp delSp modSp">
-        <pc:chgData name="Josef Gajda" userId="S::gajj02@vse.cz::62354765-72cf-499b-b531-3c23b95cf578" providerId="AD" clId="Web-{EAE51034-64F6-58B3-2B51-BAE150F01311}" dt="2026-01-23T16:35:55.445" v="2301"/>
-        <pc:sldMkLst>
-          <pc:docMk/>
-          <pc:sldMk cId="2738862015" sldId="304"/>
-        </pc:sldMkLst>
-        <pc:graphicFrameChg chg="add del mod">
-          <ac:chgData name="Josef Gajda" userId="S::gajj02@vse.cz::62354765-72cf-499b-b531-3c23b95cf578" providerId="AD" clId="Web-{EAE51034-64F6-58B3-2B51-BAE150F01311}" dt="2026-01-23T16:33:38.363" v="2169"/>
-          <ac:graphicFrameMkLst>
-            <pc:docMk/>
-            <pc:sldMk cId="2738862015" sldId="304"/>
-            <ac:graphicFrameMk id="4" creationId="{2873417B-91ED-C18C-9F5E-35C0C3E32787}"/>
-          </ac:graphicFrameMkLst>
-        </pc:graphicFrameChg>
-        <pc:graphicFrameChg chg="mod modGraphic">
-          <ac:chgData name="Josef Gajda" userId="S::gajj02@vse.cz::62354765-72cf-499b-b531-3c23b95cf578" providerId="AD" clId="Web-{EAE51034-64F6-58B3-2B51-BAE150F01311}" dt="2026-01-23T16:35:55.445" v="2301"/>
-          <ac:graphicFrameMkLst>
-            <pc:docMk/>
-            <pc:sldMk cId="2738862015" sldId="304"/>
-            <ac:graphicFrameMk id="7" creationId="{56BC519D-5A7C-3D5E-E006-E1156D35BB62}"/>
-          </ac:graphicFrameMkLst>
-        </pc:graphicFrameChg>
-      </pc:sldChg>
-      <pc:sldChg chg="modSp">
-        <pc:chgData name="Josef Gajda" userId="S::gajj02@vse.cz::62354765-72cf-499b-b531-3c23b95cf578" providerId="AD" clId="Web-{EAE51034-64F6-58B3-2B51-BAE150F01311}" dt="2026-01-23T11:53:39.669" v="33" actId="20577"/>
-        <pc:sldMkLst>
-          <pc:docMk/>
-          <pc:sldMk cId="1483808561" sldId="319"/>
-        </pc:sldMkLst>
-        <pc:spChg chg="mod">
-          <ac:chgData name="Josef Gajda" userId="S::gajj02@vse.cz::62354765-72cf-499b-b531-3c23b95cf578" providerId="AD" clId="Web-{EAE51034-64F6-58B3-2B51-BAE150F01311}" dt="2026-01-23T11:53:39.669" v="33" actId="20577"/>
-          <ac:spMkLst>
-            <pc:docMk/>
-            <pc:sldMk cId="1483808561" sldId="319"/>
-            <ac:spMk id="3" creationId="{BE37E10B-9BA1-22A8-9CB4-0358D44EC049}"/>
-          </ac:spMkLst>
-        </pc:spChg>
-      </pc:sldChg>
-      <pc:sldChg chg="modSp">
-        <pc:chgData name="Josef Gajda" userId="S::gajj02@vse.cz::62354765-72cf-499b-b531-3c23b95cf578" providerId="AD" clId="Web-{EAE51034-64F6-58B3-2B51-BAE150F01311}" dt="2026-01-23T12:14:42.036" v="271" actId="20577"/>
-        <pc:sldMkLst>
-          <pc:docMk/>
-          <pc:sldMk cId="960081320" sldId="320"/>
-        </pc:sldMkLst>
-        <pc:spChg chg="mod">
-          <ac:chgData name="Josef Gajda" userId="S::gajj02@vse.cz::62354765-72cf-499b-b531-3c23b95cf578" providerId="AD" clId="Web-{EAE51034-64F6-58B3-2B51-BAE150F01311}" dt="2026-01-23T12:08:02.369" v="125" actId="20577"/>
-          <ac:spMkLst>
-            <pc:docMk/>
-            <pc:sldMk cId="960081320" sldId="320"/>
-            <ac:spMk id="2" creationId="{C691CB99-1D30-7FA1-A082-E047D7573036}"/>
-          </ac:spMkLst>
-        </pc:spChg>
-        <pc:spChg chg="mod">
-          <ac:chgData name="Josef Gajda" userId="S::gajj02@vse.cz::62354765-72cf-499b-b531-3c23b95cf578" providerId="AD" clId="Web-{EAE51034-64F6-58B3-2B51-BAE150F01311}" dt="2026-01-23T12:14:42.036" v="271" actId="20577"/>
-          <ac:spMkLst>
-            <pc:docMk/>
-            <pc:sldMk cId="960081320" sldId="320"/>
-            <ac:spMk id="3" creationId="{20A0B09E-5BC4-D273-8EFD-DE2D95F06DE0}"/>
-          </ac:spMkLst>
-        </pc:spChg>
-      </pc:sldChg>
-      <pc:sldChg chg="modSp add replId">
-        <pc:chgData name="Josef Gajda" userId="S::gajj02@vse.cz::62354765-72cf-499b-b531-3c23b95cf578" providerId="AD" clId="Web-{EAE51034-64F6-58B3-2B51-BAE150F01311}" dt="2026-01-23T12:13:58.598" v="269" actId="20577"/>
-        <pc:sldMkLst>
-          <pc:docMk/>
-          <pc:sldMk cId="3419842777" sldId="321"/>
-        </pc:sldMkLst>
-        <pc:spChg chg="mod">
-          <ac:chgData name="Josef Gajda" userId="S::gajj02@vse.cz::62354765-72cf-499b-b531-3c23b95cf578" providerId="AD" clId="Web-{EAE51034-64F6-58B3-2B51-BAE150F01311}" dt="2026-01-23T12:08:14.869" v="128" actId="20577"/>
-          <ac:spMkLst>
-            <pc:docMk/>
-            <pc:sldMk cId="3419842777" sldId="321"/>
-            <ac:spMk id="2" creationId="{F7F55ED7-A23D-1EA2-49DB-E74DAEB2E80E}"/>
-          </ac:spMkLst>
-        </pc:spChg>
-        <pc:spChg chg="mod">
-          <ac:chgData name="Josef Gajda" userId="S::gajj02@vse.cz::62354765-72cf-499b-b531-3c23b95cf578" providerId="AD" clId="Web-{EAE51034-64F6-58B3-2B51-BAE150F01311}" dt="2026-01-23T12:13:58.598" v="269" actId="20577"/>
-          <ac:spMkLst>
-            <pc:docMk/>
-            <pc:sldMk cId="3419842777" sldId="321"/>
-            <ac:spMk id="3" creationId="{A2FC27E0-316B-4453-035E-FEA1D2D15F38}"/>
-          </ac:spMkLst>
-        </pc:spChg>
-      </pc:sldChg>
-      <pc:sldChg chg="modSp add replId">
-        <pc:chgData name="Josef Gajda" userId="S::gajj02@vse.cz::62354765-72cf-499b-b531-3c23b95cf578" providerId="AD" clId="Web-{EAE51034-64F6-58B3-2B51-BAE150F01311}" dt="2026-01-23T13:35:19.159" v="407" actId="20577"/>
-        <pc:sldMkLst>
-          <pc:docMk/>
-          <pc:sldMk cId="52637312" sldId="322"/>
-        </pc:sldMkLst>
-        <pc:spChg chg="mod">
-          <ac:chgData name="Josef Gajda" userId="S::gajj02@vse.cz::62354765-72cf-499b-b531-3c23b95cf578" providerId="AD" clId="Web-{EAE51034-64F6-58B3-2B51-BAE150F01311}" dt="2026-01-23T13:35:19.159" v="407" actId="20577"/>
-          <ac:spMkLst>
-            <pc:docMk/>
-            <pc:sldMk cId="52637312" sldId="322"/>
-            <ac:spMk id="2" creationId="{086711B4-DCE1-E0BA-B9D8-7DCA4783D49B}"/>
-          </ac:spMkLst>
-        </pc:spChg>
-        <pc:spChg chg="mod">
-          <ac:chgData name="Josef Gajda" userId="S::gajj02@vse.cz::62354765-72cf-499b-b531-3c23b95cf578" providerId="AD" clId="Web-{EAE51034-64F6-58B3-2B51-BAE150F01311}" dt="2026-01-23T12:56:21.711" v="328" actId="20577"/>
-          <ac:spMkLst>
-            <pc:docMk/>
-            <pc:sldMk cId="52637312" sldId="322"/>
-            <ac:spMk id="3" creationId="{31C2D935-D46F-D589-B3D2-A5184EEA0E82}"/>
-          </ac:spMkLst>
-        </pc:spChg>
-      </pc:sldChg>
-      <pc:sldChg chg="modSp add replId modCm">
-        <pc:chgData name="Josef Gajda" userId="S::gajj02@vse.cz::62354765-72cf-499b-b531-3c23b95cf578" providerId="AD" clId="Web-{EAE51034-64F6-58B3-2B51-BAE150F01311}" dt="2026-01-23T13:36:48.350" v="409" actId="20577"/>
-        <pc:sldMkLst>
-          <pc:docMk/>
-          <pc:sldMk cId="3372502635" sldId="323"/>
-        </pc:sldMkLst>
-        <pc:spChg chg="mod">
-          <ac:chgData name="Josef Gajda" userId="S::gajj02@vse.cz::62354765-72cf-499b-b531-3c23b95cf578" providerId="AD" clId="Web-{EAE51034-64F6-58B3-2B51-BAE150F01311}" dt="2026-01-23T13:36:48.350" v="409" actId="20577"/>
-          <ac:spMkLst>
-            <pc:docMk/>
-            <pc:sldMk cId="3372502635" sldId="323"/>
-            <ac:spMk id="2" creationId="{93B289F3-6992-C560-0661-7D175DE76977}"/>
-          </ac:spMkLst>
-        </pc:spChg>
-        <pc:spChg chg="mod">
-          <ac:chgData name="Josef Gajda" userId="S::gajj02@vse.cz::62354765-72cf-499b-b531-3c23b95cf578" providerId="AD" clId="Web-{EAE51034-64F6-58B3-2B51-BAE150F01311}" dt="2026-01-23T13:33:26.090" v="397" actId="20577"/>
-          <ac:spMkLst>
-            <pc:docMk/>
-            <pc:sldMk cId="3372502635" sldId="323"/>
-            <ac:spMk id="3" creationId="{9CBEBB6A-FC09-251A-5EEE-9ED17EECCC77}"/>
-          </ac:spMkLst>
-        </pc:spChg>
-        <pc:extLst>
-          <p:ext xmlns:p="http://schemas.openxmlformats.org/presentationml/2006/main" uri="{D6D511B9-2390-475A-947B-AFAB55BFBCF1}">
-            <pc226:cmChg xmlns:pc226="http://schemas.microsoft.com/office/powerpoint/2022/06/main/command" chg="mod">
-              <pc226:chgData name="Josef Gajda" userId="S::gajj02@vse.cz::62354765-72cf-499b-b531-3c23b95cf578" providerId="AD" clId="Web-{EAE51034-64F6-58B3-2B51-BAE150F01311}" dt="2026-01-23T13:01:02.278" v="377" actId="20577"/>
-              <pc2:cmMkLst xmlns:pc2="http://schemas.microsoft.com/office/powerpoint/2019/9/main/command">
-                <pc:docMk/>
-                <pc:sldMk cId="3372502635" sldId="323"/>
-                <pc2:cmMk id="{3562DB2E-2B73-49B5-B5ED-E7504E064A06}"/>
-              </pc2:cmMkLst>
-            </pc226:cmChg>
-          </p:ext>
-        </pc:extLst>
-      </pc:sldChg>
-      <pc:sldChg chg="modSp add replId">
-        <pc:chgData name="Josef Gajda" userId="S::gajj02@vse.cz::62354765-72cf-499b-b531-3c23b95cf578" providerId="AD" clId="Web-{EAE51034-64F6-58B3-2B51-BAE150F01311}" dt="2026-01-23T13:35:11.940" v="406" actId="20577"/>
-        <pc:sldMkLst>
-          <pc:docMk/>
-          <pc:sldMk cId="1652000214" sldId="324"/>
-        </pc:sldMkLst>
-        <pc:spChg chg="mod">
-          <ac:chgData name="Josef Gajda" userId="S::gajj02@vse.cz::62354765-72cf-499b-b531-3c23b95cf578" providerId="AD" clId="Web-{EAE51034-64F6-58B3-2B51-BAE150F01311}" dt="2026-01-23T13:35:11.940" v="406" actId="20577"/>
-          <ac:spMkLst>
-            <pc:docMk/>
-            <pc:sldMk cId="1652000214" sldId="324"/>
-            <ac:spMk id="2" creationId="{61C5FEFE-AD8C-B858-2740-BBA78AA99E96}"/>
-          </ac:spMkLst>
-        </pc:spChg>
-        <pc:spChg chg="mod">
-          <ac:chgData name="Josef Gajda" userId="S::gajj02@vse.cz::62354765-72cf-499b-b531-3c23b95cf578" providerId="AD" clId="Web-{EAE51034-64F6-58B3-2B51-BAE150F01311}" dt="2026-01-23T13:35:05.564" v="404" actId="20577"/>
-          <ac:spMkLst>
-            <pc:docMk/>
-            <pc:sldMk cId="1652000214" sldId="324"/>
-            <ac:spMk id="3" creationId="{4CEEB7DC-AFE7-F4FF-8F04-7E41DAF7A079}"/>
-          </ac:spMkLst>
-        </pc:spChg>
-      </pc:sldChg>
-      <pc:sldChg chg="modSp add replId">
-        <pc:chgData name="Josef Gajda" userId="S::gajj02@vse.cz::62354765-72cf-499b-b531-3c23b95cf578" providerId="AD" clId="Web-{EAE51034-64F6-58B3-2B51-BAE150F01311}" dt="2026-01-23T13:40:56.763" v="460" actId="20577"/>
-        <pc:sldMkLst>
-          <pc:docMk/>
-          <pc:sldMk cId="2368546737" sldId="325"/>
-        </pc:sldMkLst>
-        <pc:spChg chg="mod">
-          <ac:chgData name="Josef Gajda" userId="S::gajj02@vse.cz::62354765-72cf-499b-b531-3c23b95cf578" providerId="AD" clId="Web-{EAE51034-64F6-58B3-2B51-BAE150F01311}" dt="2026-01-23T13:40:56.763" v="460" actId="20577"/>
-          <ac:spMkLst>
-            <pc:docMk/>
-            <pc:sldMk cId="2368546737" sldId="325"/>
-            <ac:spMk id="2" creationId="{29CF5238-6AD5-FAE3-3686-28F87426B777}"/>
-          </ac:spMkLst>
-        </pc:spChg>
-        <pc:spChg chg="mod">
-          <ac:chgData name="Josef Gajda" userId="S::gajj02@vse.cz::62354765-72cf-499b-b531-3c23b95cf578" providerId="AD" clId="Web-{EAE51034-64F6-58B3-2B51-BAE150F01311}" dt="2026-01-23T13:40:54.560" v="459" actId="20577"/>
-          <ac:spMkLst>
-            <pc:docMk/>
-            <pc:sldMk cId="2368546737" sldId="325"/>
-            <ac:spMk id="3" creationId="{B370FCD8-215A-C13B-04B6-857F8AF8AD95}"/>
-          </ac:spMkLst>
-        </pc:spChg>
-      </pc:sldChg>
-      <pc:sldChg chg="modSp add replId">
-        <pc:chgData name="Josef Gajda" userId="S::gajj02@vse.cz::62354765-72cf-499b-b531-3c23b95cf578" providerId="AD" clId="Web-{EAE51034-64F6-58B3-2B51-BAE150F01311}" dt="2026-01-23T14:56:19.403" v="984" actId="20577"/>
-        <pc:sldMkLst>
-          <pc:docMk/>
-          <pc:sldMk cId="2042116104" sldId="326"/>
-        </pc:sldMkLst>
-        <pc:spChg chg="mod">
-          <ac:chgData name="Josef Gajda" userId="S::gajj02@vse.cz::62354765-72cf-499b-b531-3c23b95cf578" providerId="AD" clId="Web-{EAE51034-64F6-58B3-2B51-BAE150F01311}" dt="2026-01-23T13:41:08.529" v="463" actId="20577"/>
-          <ac:spMkLst>
-            <pc:docMk/>
-            <pc:sldMk cId="2042116104" sldId="326"/>
-            <ac:spMk id="2" creationId="{FFD6580E-07D2-4916-FF29-AC0C6998D03A}"/>
-          </ac:spMkLst>
-        </pc:spChg>
-        <pc:spChg chg="mod">
-          <ac:chgData name="Josef Gajda" userId="S::gajj02@vse.cz::62354765-72cf-499b-b531-3c23b95cf578" providerId="AD" clId="Web-{EAE51034-64F6-58B3-2B51-BAE150F01311}" dt="2026-01-23T14:56:19.403" v="984" actId="20577"/>
-          <ac:spMkLst>
-            <pc:docMk/>
-            <pc:sldMk cId="2042116104" sldId="326"/>
-            <ac:spMk id="3" creationId="{BD3D6D78-60DF-1234-1F48-A923D32E4CE0}"/>
-          </ac:spMkLst>
-        </pc:spChg>
-      </pc:sldChg>
-      <pc:sldChg chg="modSp add replId">
-        <pc:chgData name="Josef Gajda" userId="S::gajj02@vse.cz::62354765-72cf-499b-b531-3c23b95cf578" providerId="AD" clId="Web-{EAE51034-64F6-58B3-2B51-BAE150F01311}" dt="2026-01-23T13:44:31.563" v="538" actId="20577"/>
-        <pc:sldMkLst>
-          <pc:docMk/>
-          <pc:sldMk cId="2900389700" sldId="327"/>
-        </pc:sldMkLst>
-        <pc:spChg chg="mod">
-          <ac:chgData name="Josef Gajda" userId="S::gajj02@vse.cz::62354765-72cf-499b-b531-3c23b95cf578" providerId="AD" clId="Web-{EAE51034-64F6-58B3-2B51-BAE150F01311}" dt="2026-01-23T13:43:37.578" v="516" actId="20577"/>
-          <ac:spMkLst>
-            <pc:docMk/>
-            <pc:sldMk cId="2900389700" sldId="327"/>
-            <ac:spMk id="2" creationId="{B1903CA0-716F-028C-4C7D-5345D1D64DB8}"/>
-          </ac:spMkLst>
-        </pc:spChg>
-        <pc:spChg chg="mod">
-          <ac:chgData name="Josef Gajda" userId="S::gajj02@vse.cz::62354765-72cf-499b-b531-3c23b95cf578" providerId="AD" clId="Web-{EAE51034-64F6-58B3-2B51-BAE150F01311}" dt="2026-01-23T13:44:31.563" v="538" actId="20577"/>
-          <ac:spMkLst>
-            <pc:docMk/>
-            <pc:sldMk cId="2900389700" sldId="327"/>
-            <ac:spMk id="3" creationId="{45701AE7-6C8C-36F5-0854-61DEBE5575F2}"/>
-          </ac:spMkLst>
-        </pc:spChg>
-      </pc:sldChg>
-      <pc:sldChg chg="modSp add replId">
-        <pc:chgData name="Josef Gajda" userId="S::gajj02@vse.cz::62354765-72cf-499b-b531-3c23b95cf578" providerId="AD" clId="Web-{EAE51034-64F6-58B3-2B51-BAE150F01311}" dt="2026-01-23T13:45:44.251" v="558" actId="20577"/>
-        <pc:sldMkLst>
-          <pc:docMk/>
-          <pc:sldMk cId="3627524835" sldId="328"/>
-        </pc:sldMkLst>
-        <pc:spChg chg="mod">
-          <ac:chgData name="Josef Gajda" userId="S::gajj02@vse.cz::62354765-72cf-499b-b531-3c23b95cf578" providerId="AD" clId="Web-{EAE51034-64F6-58B3-2B51-BAE150F01311}" dt="2026-01-23T13:44:41.626" v="543" actId="20577"/>
-          <ac:spMkLst>
-            <pc:docMk/>
-            <pc:sldMk cId="3627524835" sldId="328"/>
-            <ac:spMk id="2" creationId="{472CAFF8-60DD-7CB8-D038-3B47F05CAB3C}"/>
-          </ac:spMkLst>
-        </pc:spChg>
-        <pc:spChg chg="mod">
-          <ac:chgData name="Josef Gajda" userId="S::gajj02@vse.cz::62354765-72cf-499b-b531-3c23b95cf578" providerId="AD" clId="Web-{EAE51034-64F6-58B3-2B51-BAE150F01311}" dt="2026-01-23T13:45:44.251" v="558" actId="20577"/>
-          <ac:spMkLst>
-            <pc:docMk/>
-            <pc:sldMk cId="3627524835" sldId="328"/>
-            <ac:spMk id="3" creationId="{18D3AAAB-D42E-7885-8466-39A1175B25A9}"/>
-          </ac:spMkLst>
-        </pc:spChg>
-      </pc:sldChg>
-      <pc:sldChg chg="modSp add replId">
-        <pc:chgData name="Josef Gajda" userId="S::gajj02@vse.cz::62354765-72cf-499b-b531-3c23b95cf578" providerId="AD" clId="Web-{EAE51034-64F6-58B3-2B51-BAE150F01311}" dt="2026-01-23T13:46:44.346" v="569" actId="20577"/>
-        <pc:sldMkLst>
-          <pc:docMk/>
-          <pc:sldMk cId="3186415183" sldId="329"/>
-        </pc:sldMkLst>
-        <pc:spChg chg="mod">
-          <ac:chgData name="Josef Gajda" userId="S::gajj02@vse.cz::62354765-72cf-499b-b531-3c23b95cf578" providerId="AD" clId="Web-{EAE51034-64F6-58B3-2B51-BAE150F01311}" dt="2026-01-23T13:45:59.392" v="561" actId="20577"/>
-          <ac:spMkLst>
-            <pc:docMk/>
-            <pc:sldMk cId="3186415183" sldId="329"/>
-            <ac:spMk id="2" creationId="{4FFDACDD-53F6-817C-7218-8EFECE096F47}"/>
-          </ac:spMkLst>
-        </pc:spChg>
-        <pc:spChg chg="mod">
-          <ac:chgData name="Josef Gajda" userId="S::gajj02@vse.cz::62354765-72cf-499b-b531-3c23b95cf578" providerId="AD" clId="Web-{EAE51034-64F6-58B3-2B51-BAE150F01311}" dt="2026-01-23T13:46:44.346" v="569" actId="20577"/>
-          <ac:spMkLst>
-            <pc:docMk/>
-            <pc:sldMk cId="3186415183" sldId="329"/>
-            <ac:spMk id="3" creationId="{29F69AA3-CEB6-D287-CFFA-B74FC5AB8AC6}"/>
-          </ac:spMkLst>
-        </pc:spChg>
-      </pc:sldChg>
-      <pc:sldChg chg="modSp add replId">
-        <pc:chgData name="Josef Gajda" userId="S::gajj02@vse.cz::62354765-72cf-499b-b531-3c23b95cf578" providerId="AD" clId="Web-{EAE51034-64F6-58B3-2B51-BAE150F01311}" dt="2026-01-23T13:47:47.706" v="588" actId="20577"/>
-        <pc:sldMkLst>
-          <pc:docMk/>
-          <pc:sldMk cId="3655373690" sldId="330"/>
-        </pc:sldMkLst>
-        <pc:spChg chg="mod">
-          <ac:chgData name="Josef Gajda" userId="S::gajj02@vse.cz::62354765-72cf-499b-b531-3c23b95cf578" providerId="AD" clId="Web-{EAE51034-64F6-58B3-2B51-BAE150F01311}" dt="2026-01-23T13:47:47.706" v="588" actId="20577"/>
-          <ac:spMkLst>
-            <pc:docMk/>
-            <pc:sldMk cId="3655373690" sldId="330"/>
-            <ac:spMk id="2" creationId="{B77D7B9A-61BC-F221-4A54-3462436687EC}"/>
-          </ac:spMkLst>
-        </pc:spChg>
-        <pc:spChg chg="mod">
-          <ac:chgData name="Josef Gajda" userId="S::gajj02@vse.cz::62354765-72cf-499b-b531-3c23b95cf578" providerId="AD" clId="Web-{EAE51034-64F6-58B3-2B51-BAE150F01311}" dt="2026-01-23T13:47:39.315" v="583" actId="20577"/>
-          <ac:spMkLst>
-            <pc:docMk/>
-            <pc:sldMk cId="3655373690" sldId="330"/>
-            <ac:spMk id="3" creationId="{54B09625-47EF-3030-ECF8-CCA969330027}"/>
-          </ac:spMkLst>
-        </pc:spChg>
-      </pc:sldChg>
-      <pc:sldChg chg="modSp add replId">
-        <pc:chgData name="Josef Gajda" userId="S::gajj02@vse.cz::62354765-72cf-499b-b531-3c23b95cf578" providerId="AD" clId="Web-{EAE51034-64F6-58B3-2B51-BAE150F01311}" dt="2026-01-23T13:48:25.753" v="598" actId="20577"/>
-        <pc:sldMkLst>
-          <pc:docMk/>
-          <pc:sldMk cId="529295982" sldId="331"/>
-        </pc:sldMkLst>
-        <pc:spChg chg="mod">
-          <ac:chgData name="Josef Gajda" userId="S::gajj02@vse.cz::62354765-72cf-499b-b531-3c23b95cf578" providerId="AD" clId="Web-{EAE51034-64F6-58B3-2B51-BAE150F01311}" dt="2026-01-23T13:47:56.144" v="590" actId="20577"/>
-          <ac:spMkLst>
-            <pc:docMk/>
-            <pc:sldMk cId="529295982" sldId="331"/>
-            <ac:spMk id="2" creationId="{B59064CB-3E02-8199-F286-3B91C009336B}"/>
-          </ac:spMkLst>
-        </pc:spChg>
-        <pc:spChg chg="mod">
-          <ac:chgData name="Josef Gajda" userId="S::gajj02@vse.cz::62354765-72cf-499b-b531-3c23b95cf578" providerId="AD" clId="Web-{EAE51034-64F6-58B3-2B51-BAE150F01311}" dt="2026-01-23T13:48:25.753" v="598" actId="20577"/>
-          <ac:spMkLst>
-            <pc:docMk/>
-            <pc:sldMk cId="529295982" sldId="331"/>
-            <ac:spMk id="3" creationId="{123E515A-87D0-2E7B-F495-A587FC8873D9}"/>
-          </ac:spMkLst>
-        </pc:spChg>
-      </pc:sldChg>
-      <pc:sldChg chg="modSp add replId">
-        <pc:chgData name="Josef Gajda" userId="S::gajj02@vse.cz::62354765-72cf-499b-b531-3c23b95cf578" providerId="AD" clId="Web-{EAE51034-64F6-58B3-2B51-BAE150F01311}" dt="2026-01-23T13:50:26.903" v="625" actId="20577"/>
-        <pc:sldMkLst>
-          <pc:docMk/>
-          <pc:sldMk cId="3127810487" sldId="332"/>
-        </pc:sldMkLst>
-        <pc:spChg chg="mod">
-          <ac:chgData name="Josef Gajda" userId="S::gajj02@vse.cz::62354765-72cf-499b-b531-3c23b95cf578" providerId="AD" clId="Web-{EAE51034-64F6-58B3-2B51-BAE150F01311}" dt="2026-01-23T13:48:33.550" v="602" actId="20577"/>
-          <ac:spMkLst>
-            <pc:docMk/>
-            <pc:sldMk cId="3127810487" sldId="332"/>
-            <ac:spMk id="2" creationId="{C5B522F6-DB8C-DA6D-6FBF-AFED3697F08B}"/>
-          </ac:spMkLst>
-        </pc:spChg>
-        <pc:spChg chg="mod">
-          <ac:chgData name="Josef Gajda" userId="S::gajj02@vse.cz::62354765-72cf-499b-b531-3c23b95cf578" providerId="AD" clId="Web-{EAE51034-64F6-58B3-2B51-BAE150F01311}" dt="2026-01-23T13:50:26.903" v="625" actId="20577"/>
-          <ac:spMkLst>
-            <pc:docMk/>
-            <pc:sldMk cId="3127810487" sldId="332"/>
-            <ac:spMk id="3" creationId="{332C82CE-D869-3DA1-BA05-088C03A2AA82}"/>
-          </ac:spMkLst>
-        </pc:spChg>
-      </pc:sldChg>
-      <pc:sldChg chg="modSp add replId">
-        <pc:chgData name="Josef Gajda" userId="S::gajj02@vse.cz::62354765-72cf-499b-b531-3c23b95cf578" providerId="AD" clId="Web-{EAE51034-64F6-58B3-2B51-BAE150F01311}" dt="2026-01-23T13:51:25.282" v="642" actId="20577"/>
-        <pc:sldMkLst>
-          <pc:docMk/>
-          <pc:sldMk cId="2633234050" sldId="333"/>
-        </pc:sldMkLst>
-        <pc:spChg chg="mod">
-          <ac:chgData name="Josef Gajda" userId="S::gajj02@vse.cz::62354765-72cf-499b-b531-3c23b95cf578" providerId="AD" clId="Web-{EAE51034-64F6-58B3-2B51-BAE150F01311}" dt="2026-01-23T13:50:44.951" v="631" actId="20577"/>
-          <ac:spMkLst>
-            <pc:docMk/>
-            <pc:sldMk cId="2633234050" sldId="333"/>
-            <ac:spMk id="2" creationId="{DDE64EDE-C55D-059F-6FDF-EB2881981302}"/>
-          </ac:spMkLst>
-        </pc:spChg>
-        <pc:spChg chg="mod">
-          <ac:chgData name="Josef Gajda" userId="S::gajj02@vse.cz::62354765-72cf-499b-b531-3c23b95cf578" providerId="AD" clId="Web-{EAE51034-64F6-58B3-2B51-BAE150F01311}" dt="2026-01-23T13:51:25.282" v="642" actId="20577"/>
-          <ac:spMkLst>
-            <pc:docMk/>
-            <pc:sldMk cId="2633234050" sldId="333"/>
-            <ac:spMk id="3" creationId="{AF3DCC3B-DEB2-3C7A-25C7-6724695527FF}"/>
-          </ac:spMkLst>
-        </pc:spChg>
-      </pc:sldChg>
-      <pc:sldChg chg="addSp modSp add replId">
-        <pc:chgData name="Josef Gajda" userId="S::gajj02@vse.cz::62354765-72cf-499b-b531-3c23b95cf578" providerId="AD" clId="Web-{EAE51034-64F6-58B3-2B51-BAE150F01311}" dt="2026-01-23T13:53:26.913" v="693"/>
-        <pc:sldMkLst>
-          <pc:docMk/>
-          <pc:sldMk cId="4010942903" sldId="334"/>
-        </pc:sldMkLst>
-        <pc:spChg chg="mod">
-          <ac:chgData name="Josef Gajda" userId="S::gajj02@vse.cz::62354765-72cf-499b-b531-3c23b95cf578" providerId="AD" clId="Web-{EAE51034-64F6-58B3-2B51-BAE150F01311}" dt="2026-01-23T13:52:18.941" v="645" actId="20577"/>
-          <ac:spMkLst>
-            <pc:docMk/>
-            <pc:sldMk cId="4010942903" sldId="334"/>
-            <ac:spMk id="2" creationId="{E18BB181-016B-F599-8820-37A10B2DDA29}"/>
-          </ac:spMkLst>
-        </pc:spChg>
-        <pc:spChg chg="mod">
-          <ac:chgData name="Josef Gajda" userId="S::gajj02@vse.cz::62354765-72cf-499b-b531-3c23b95cf578" providerId="AD" clId="Web-{EAE51034-64F6-58B3-2B51-BAE150F01311}" dt="2026-01-23T13:52:23.707" v="646" actId="20577"/>
-          <ac:spMkLst>
-            <pc:docMk/>
-            <pc:sldMk cId="4010942903" sldId="334"/>
-            <ac:spMk id="3" creationId="{5A829A2B-A6FF-D90C-DC5E-AC457E4FDDB7}"/>
-          </ac:spMkLst>
-        </pc:spChg>
-        <pc:graphicFrameChg chg="add mod modGraphic">
-          <ac:chgData name="Josef Gajda" userId="S::gajj02@vse.cz::62354765-72cf-499b-b531-3c23b95cf578" providerId="AD" clId="Web-{EAE51034-64F6-58B3-2B51-BAE150F01311}" dt="2026-01-23T13:53:26.913" v="693"/>
-          <ac:graphicFrameMkLst>
-            <pc:docMk/>
-            <pc:sldMk cId="4010942903" sldId="334"/>
-            <ac:graphicFrameMk id="5" creationId="{70EB19DF-8CA9-B0F0-9655-B7805E6DD6A8}"/>
-          </ac:graphicFrameMkLst>
-        </pc:graphicFrameChg>
-      </pc:sldChg>
-      <pc:sldChg chg="modSp add replId">
-        <pc:chgData name="Josef Gajda" userId="S::gajj02@vse.cz::62354765-72cf-499b-b531-3c23b95cf578" providerId="AD" clId="Web-{EAE51034-64F6-58B3-2B51-BAE150F01311}" dt="2026-01-23T15:04:58.866" v="1034" actId="20577"/>
-        <pc:sldMkLst>
-          <pc:docMk/>
-          <pc:sldMk cId="4104466116" sldId="335"/>
-        </pc:sldMkLst>
-        <pc:spChg chg="mod">
-          <ac:chgData name="Josef Gajda" userId="S::gajj02@vse.cz::62354765-72cf-499b-b531-3c23b95cf578" providerId="AD" clId="Web-{EAE51034-64F6-58B3-2B51-BAE150F01311}" dt="2026-01-23T14:08:24.908" v="747" actId="20577"/>
-          <ac:spMkLst>
-            <pc:docMk/>
-            <pc:sldMk cId="4104466116" sldId="335"/>
-            <ac:spMk id="2" creationId="{C73419D3-64DC-6978-6BE2-C433417713C0}"/>
-          </ac:spMkLst>
-        </pc:spChg>
-        <pc:spChg chg="mod">
-          <ac:chgData name="Josef Gajda" userId="S::gajj02@vse.cz::62354765-72cf-499b-b531-3c23b95cf578" providerId="AD" clId="Web-{EAE51034-64F6-58B3-2B51-BAE150F01311}" dt="2026-01-23T15:04:58.866" v="1034" actId="20577"/>
-          <ac:spMkLst>
-            <pc:docMk/>
-            <pc:sldMk cId="4104466116" sldId="335"/>
-            <ac:spMk id="3" creationId="{A96596C0-44BC-F2D4-6CBB-0A4EABE6A803}"/>
-          </ac:spMkLst>
-        </pc:spChg>
-      </pc:sldChg>
-      <pc:sldChg chg="modSp add replId">
-        <pc:chgData name="Josef Gajda" userId="S::gajj02@vse.cz::62354765-72cf-499b-b531-3c23b95cf578" providerId="AD" clId="Web-{EAE51034-64F6-58B3-2B51-BAE150F01311}" dt="2026-01-23T15:04:54.818" v="1032" actId="20577"/>
-        <pc:sldMkLst>
-          <pc:docMk/>
-          <pc:sldMk cId="3699290336" sldId="336"/>
-        </pc:sldMkLst>
-        <pc:spChg chg="mod">
-          <ac:chgData name="Josef Gajda" userId="S::gajj02@vse.cz::62354765-72cf-499b-b531-3c23b95cf578" providerId="AD" clId="Web-{EAE51034-64F6-58B3-2B51-BAE150F01311}" dt="2026-01-23T14:08:29.658" v="749" actId="20577"/>
-          <ac:spMkLst>
-            <pc:docMk/>
-            <pc:sldMk cId="3699290336" sldId="336"/>
-            <ac:spMk id="2" creationId="{A7EE8595-1946-DAC7-C832-7BEE689C64E5}"/>
-          </ac:spMkLst>
-        </pc:spChg>
-        <pc:spChg chg="mod">
-          <ac:chgData name="Josef Gajda" userId="S::gajj02@vse.cz::62354765-72cf-499b-b531-3c23b95cf578" providerId="AD" clId="Web-{EAE51034-64F6-58B3-2B51-BAE150F01311}" dt="2026-01-23T15:04:54.818" v="1032" actId="20577"/>
-          <ac:spMkLst>
-            <pc:docMk/>
-            <pc:sldMk cId="3699290336" sldId="336"/>
-            <ac:spMk id="3" creationId="{CC0B8CB0-0FA5-9119-B123-F061355350F7}"/>
-          </ac:spMkLst>
-        </pc:spChg>
-      </pc:sldChg>
-      <pc:sldChg chg="modSp add replId">
-        <pc:chgData name="Josef Gajda" userId="S::gajj02@vse.cz::62354765-72cf-499b-b531-3c23b95cf578" providerId="AD" clId="Web-{EAE51034-64F6-58B3-2B51-BAE150F01311}" dt="2026-01-23T15:04:52.193" v="1029" actId="20577"/>
-        <pc:sldMkLst>
-          <pc:docMk/>
-          <pc:sldMk cId="2128104816" sldId="337"/>
-        </pc:sldMkLst>
-        <pc:spChg chg="mod">
-          <ac:chgData name="Josef Gajda" userId="S::gajj02@vse.cz::62354765-72cf-499b-b531-3c23b95cf578" providerId="AD" clId="Web-{EAE51034-64F6-58B3-2B51-BAE150F01311}" dt="2026-01-23T14:44:37.828" v="822" actId="20577"/>
-          <ac:spMkLst>
-            <pc:docMk/>
-            <pc:sldMk cId="2128104816" sldId="337"/>
-            <ac:spMk id="2" creationId="{0A7CE083-F373-B9C4-8DEC-9A81AE03A5A2}"/>
-          </ac:spMkLst>
-        </pc:spChg>
-        <pc:spChg chg="mod">
-          <ac:chgData name="Josef Gajda" userId="S::gajj02@vse.cz::62354765-72cf-499b-b531-3c23b95cf578" providerId="AD" clId="Web-{EAE51034-64F6-58B3-2B51-BAE150F01311}" dt="2026-01-23T15:04:52.193" v="1029" actId="20577"/>
-          <ac:spMkLst>
-            <pc:docMk/>
-            <pc:sldMk cId="2128104816" sldId="337"/>
-            <ac:spMk id="3" creationId="{F558FEB5-BAF9-7462-EFEB-9FCE1C8007D2}"/>
-          </ac:spMkLst>
-        </pc:spChg>
-      </pc:sldChg>
-      <pc:sldChg chg="modSp add replId">
-        <pc:chgData name="Josef Gajda" userId="S::gajj02@vse.cz::62354765-72cf-499b-b531-3c23b95cf578" providerId="AD" clId="Web-{EAE51034-64F6-58B3-2B51-BAE150F01311}" dt="2026-01-23T15:21:18.930" v="1773"/>
-        <pc:sldMkLst>
-          <pc:docMk/>
-          <pc:sldMk cId="2198695156" sldId="338"/>
-        </pc:sldMkLst>
-        <pc:spChg chg="mod">
-          <ac:chgData name="Josef Gajda" userId="S::gajj02@vse.cz::62354765-72cf-499b-b531-3c23b95cf578" providerId="AD" clId="Web-{EAE51034-64F6-58B3-2B51-BAE150F01311}" dt="2026-01-23T14:47:06.931" v="846" actId="20577"/>
-          <ac:spMkLst>
-            <pc:docMk/>
-            <pc:sldMk cId="2198695156" sldId="338"/>
-            <ac:spMk id="2" creationId="{1016FDCD-34D0-7D3F-514E-B865CD2F2794}"/>
-          </ac:spMkLst>
-        </pc:spChg>
-        <pc:spChg chg="mod">
-          <ac:chgData name="Josef Gajda" userId="S::gajj02@vse.cz::62354765-72cf-499b-b531-3c23b95cf578" providerId="AD" clId="Web-{EAE51034-64F6-58B3-2B51-BAE150F01311}" dt="2026-01-23T15:21:18.930" v="1773"/>
-          <ac:spMkLst>
-            <pc:docMk/>
-            <pc:sldMk cId="2198695156" sldId="338"/>
-            <ac:spMk id="3" creationId="{59B55FA3-E3BA-EA6F-02B1-62B4F57EC7B8}"/>
-          </ac:spMkLst>
-        </pc:spChg>
-      </pc:sldChg>
-      <pc:sldChg chg="modSp add replId">
-        <pc:chgData name="Josef Gajda" userId="S::gajj02@vse.cz::62354765-72cf-499b-b531-3c23b95cf578" providerId="AD" clId="Web-{EAE51034-64F6-58B3-2B51-BAE150F01311}" dt="2026-01-23T15:04:10.594" v="1022" actId="20577"/>
-        <pc:sldMkLst>
-          <pc:docMk/>
-          <pc:sldMk cId="999015436" sldId="339"/>
-        </pc:sldMkLst>
-        <pc:spChg chg="mod">
-          <ac:chgData name="Josef Gajda" userId="S::gajj02@vse.cz::62354765-72cf-499b-b531-3c23b95cf578" providerId="AD" clId="Web-{EAE51034-64F6-58B3-2B51-BAE150F01311}" dt="2026-01-23T14:57:16.717" v="989" actId="20577"/>
-          <ac:spMkLst>
-            <pc:docMk/>
-            <pc:sldMk cId="999015436" sldId="339"/>
-            <ac:spMk id="2" creationId="{ED96DAA5-6B62-4A23-1D6A-DF92CDB2C8E2}"/>
-          </ac:spMkLst>
-        </pc:spChg>
-        <pc:spChg chg="mod">
-          <ac:chgData name="Josef Gajda" userId="S::gajj02@vse.cz::62354765-72cf-499b-b531-3c23b95cf578" providerId="AD" clId="Web-{EAE51034-64F6-58B3-2B51-BAE150F01311}" dt="2026-01-23T15:04:10.594" v="1022" actId="20577"/>
-          <ac:spMkLst>
-            <pc:docMk/>
-            <pc:sldMk cId="999015436" sldId="339"/>
-            <ac:spMk id="3" creationId="{CD72BC68-6887-545E-A3E4-AC736EA219AA}"/>
-          </ac:spMkLst>
-        </pc:spChg>
-      </pc:sldChg>
-      <pc:sldChg chg="addSp delSp modSp add replId">
-        <pc:chgData name="Josef Gajda" userId="S::gajj02@vse.cz::62354765-72cf-499b-b531-3c23b95cf578" providerId="AD" clId="Web-{EAE51034-64F6-58B3-2B51-BAE150F01311}" dt="2026-01-23T15:07:29.426" v="1668" actId="20577"/>
-        <pc:sldMkLst>
-          <pc:docMk/>
-          <pc:sldMk cId="3927481277" sldId="340"/>
-        </pc:sldMkLst>
-        <pc:spChg chg="mod">
-          <ac:chgData name="Josef Gajda" userId="S::gajj02@vse.cz::62354765-72cf-499b-b531-3c23b95cf578" providerId="AD" clId="Web-{EAE51034-64F6-58B3-2B51-BAE150F01311}" dt="2026-01-23T15:01:15.645" v="1010" actId="20577"/>
-          <ac:spMkLst>
-            <pc:docMk/>
-            <pc:sldMk cId="3927481277" sldId="340"/>
-            <ac:spMk id="2" creationId="{8F2E4DA5-53A7-B11C-5FD0-6B5D2FB20EB8}"/>
-          </ac:spMkLst>
-        </pc:spChg>
-        <pc:spChg chg="mod">
-          <ac:chgData name="Josef Gajda" userId="S::gajj02@vse.cz::62354765-72cf-499b-b531-3c23b95cf578" providerId="AD" clId="Web-{EAE51034-64F6-58B3-2B51-BAE150F01311}" dt="2026-01-23T15:07:29.426" v="1668" actId="20577"/>
-          <ac:spMkLst>
-            <pc:docMk/>
-            <pc:sldMk cId="3927481277" sldId="340"/>
-            <ac:spMk id="3" creationId="{8C816E37-4B94-4E8F-1617-078294F8F6EE}"/>
-          </ac:spMkLst>
-        </pc:spChg>
-        <pc:graphicFrameChg chg="add del mod modGraphic">
-          <ac:chgData name="Josef Gajda" userId="S::gajj02@vse.cz::62354765-72cf-499b-b531-3c23b95cf578" providerId="AD" clId="Web-{EAE51034-64F6-58B3-2B51-BAE150F01311}" dt="2026-01-23T15:06:05.153" v="1648"/>
-          <ac:graphicFrameMkLst>
-            <pc:docMk/>
-            <pc:sldMk cId="3927481277" sldId="340"/>
-            <ac:graphicFrameMk id="5" creationId="{20243737-7A96-8F41-34F1-C96F93455B71}"/>
-          </ac:graphicFrameMkLst>
-        </pc:graphicFrameChg>
-      </pc:sldChg>
-      <pc:sldChg chg="modSp add replId">
-        <pc:chgData name="Josef Gajda" userId="S::gajj02@vse.cz::62354765-72cf-499b-b531-3c23b95cf578" providerId="AD" clId="Web-{EAE51034-64F6-58B3-2B51-BAE150F01311}" dt="2026-01-23T15:09:04.916" v="1685" actId="20577"/>
-        <pc:sldMkLst>
-          <pc:docMk/>
-          <pc:sldMk cId="3098445674" sldId="341"/>
-        </pc:sldMkLst>
-        <pc:spChg chg="mod">
-          <ac:chgData name="Josef Gajda" userId="S::gajj02@vse.cz::62354765-72cf-499b-b531-3c23b95cf578" providerId="AD" clId="Web-{EAE51034-64F6-58B3-2B51-BAE150F01311}" dt="2026-01-23T15:08:05.115" v="1673" actId="20577"/>
-          <ac:spMkLst>
-            <pc:docMk/>
-            <pc:sldMk cId="3098445674" sldId="341"/>
-            <ac:spMk id="2" creationId="{8F3D6D22-685A-8477-4B6F-A35A76E3B938}"/>
-          </ac:spMkLst>
-        </pc:spChg>
-        <pc:spChg chg="mod">
-          <ac:chgData name="Josef Gajda" userId="S::gajj02@vse.cz::62354765-72cf-499b-b531-3c23b95cf578" providerId="AD" clId="Web-{EAE51034-64F6-58B3-2B51-BAE150F01311}" dt="2026-01-23T15:09:04.916" v="1685" actId="20577"/>
-          <ac:spMkLst>
-            <pc:docMk/>
-            <pc:sldMk cId="3098445674" sldId="341"/>
-            <ac:spMk id="3" creationId="{110A29D8-4F8A-4FEE-98FF-1DAFA8AF4670}"/>
-          </ac:spMkLst>
-        </pc:spChg>
-      </pc:sldChg>
-      <pc:sldChg chg="modSp add replId">
-        <pc:chgData name="Josef Gajda" userId="S::gajj02@vse.cz::62354765-72cf-499b-b531-3c23b95cf578" providerId="AD" clId="Web-{EAE51034-64F6-58B3-2B51-BAE150F01311}" dt="2026-01-23T15:11:38.032" v="1716" actId="20577"/>
-        <pc:sldMkLst>
-          <pc:docMk/>
-          <pc:sldMk cId="1092402617" sldId="342"/>
-        </pc:sldMkLst>
-        <pc:spChg chg="mod">
-          <ac:chgData name="Josef Gajda" userId="S::gajj02@vse.cz::62354765-72cf-499b-b531-3c23b95cf578" providerId="AD" clId="Web-{EAE51034-64F6-58B3-2B51-BAE150F01311}" dt="2026-01-23T15:09:24.011" v="1689" actId="20577"/>
-          <ac:spMkLst>
-            <pc:docMk/>
-            <pc:sldMk cId="1092402617" sldId="342"/>
-            <ac:spMk id="2" creationId="{AEAFD101-7C39-BB8D-EC0E-9A13790E906E}"/>
-          </ac:spMkLst>
-        </pc:spChg>
-        <pc:spChg chg="mod">
-          <ac:chgData name="Josef Gajda" userId="S::gajj02@vse.cz::62354765-72cf-499b-b531-3c23b95cf578" providerId="AD" clId="Web-{EAE51034-64F6-58B3-2B51-BAE150F01311}" dt="2026-01-23T15:11:38.032" v="1716" actId="20577"/>
-          <ac:spMkLst>
-            <pc:docMk/>
-            <pc:sldMk cId="1092402617" sldId="342"/>
-            <ac:spMk id="3" creationId="{9E85E0A6-6A86-83BE-8A99-7586A42DD3F1}"/>
-          </ac:spMkLst>
-        </pc:spChg>
-      </pc:sldChg>
-      <pc:sldChg chg="modSp add replId">
-        <pc:chgData name="Josef Gajda" userId="S::gajj02@vse.cz::62354765-72cf-499b-b531-3c23b95cf578" providerId="AD" clId="Web-{EAE51034-64F6-58B3-2B51-BAE150F01311}" dt="2026-01-23T15:12:42.628" v="1727" actId="20577"/>
-        <pc:sldMkLst>
-          <pc:docMk/>
-          <pc:sldMk cId="4281292745" sldId="343"/>
-        </pc:sldMkLst>
-        <pc:spChg chg="mod">
-          <ac:chgData name="Josef Gajda" userId="S::gajj02@vse.cz::62354765-72cf-499b-b531-3c23b95cf578" providerId="AD" clId="Web-{EAE51034-64F6-58B3-2B51-BAE150F01311}" dt="2026-01-23T15:11:49.845" v="1719" actId="20577"/>
-          <ac:spMkLst>
-            <pc:docMk/>
-            <pc:sldMk cId="4281292745" sldId="343"/>
-            <ac:spMk id="2" creationId="{6D5EBEE9-DBCF-BE47-DB86-0DE7BB3E2611}"/>
-          </ac:spMkLst>
-        </pc:spChg>
-        <pc:spChg chg="mod">
-          <ac:chgData name="Josef Gajda" userId="S::gajj02@vse.cz::62354765-72cf-499b-b531-3c23b95cf578" providerId="AD" clId="Web-{EAE51034-64F6-58B3-2B51-BAE150F01311}" dt="2026-01-23T15:12:42.628" v="1727" actId="20577"/>
-          <ac:spMkLst>
-            <pc:docMk/>
-            <pc:sldMk cId="4281292745" sldId="343"/>
-            <ac:spMk id="3" creationId="{AF1633FF-D55A-A9CA-2894-8681F6DEE97E}"/>
-          </ac:spMkLst>
-        </pc:spChg>
-      </pc:sldChg>
-      <pc:sldChg chg="modSp add replId">
-        <pc:chgData name="Josef Gajda" userId="S::gajj02@vse.cz::62354765-72cf-499b-b531-3c23b95cf578" providerId="AD" clId="Web-{EAE51034-64F6-58B3-2B51-BAE150F01311}" dt="2026-01-23T15:14:04.021" v="1743" actId="20577"/>
-        <pc:sldMkLst>
-          <pc:docMk/>
-          <pc:sldMk cId="3562492717" sldId="344"/>
-        </pc:sldMkLst>
-        <pc:spChg chg="mod">
-          <ac:chgData name="Josef Gajda" userId="S::gajj02@vse.cz::62354765-72cf-499b-b531-3c23b95cf578" providerId="AD" clId="Web-{EAE51034-64F6-58B3-2B51-BAE150F01311}" dt="2026-01-23T15:12:58.863" v="1730" actId="20577"/>
-          <ac:spMkLst>
-            <pc:docMk/>
-            <pc:sldMk cId="3562492717" sldId="344"/>
-            <ac:spMk id="2" creationId="{9A25B7A8-888E-1897-5F02-A28DD24D9BB8}"/>
-          </ac:spMkLst>
-        </pc:spChg>
-        <pc:spChg chg="mod">
-          <ac:chgData name="Josef Gajda" userId="S::gajj02@vse.cz::62354765-72cf-499b-b531-3c23b95cf578" providerId="AD" clId="Web-{EAE51034-64F6-58B3-2B51-BAE150F01311}" dt="2026-01-23T15:14:04.021" v="1743" actId="20577"/>
-          <ac:spMkLst>
-            <pc:docMk/>
-            <pc:sldMk cId="3562492717" sldId="344"/>
-            <ac:spMk id="3" creationId="{A8DF77A6-6422-307E-4A65-CAD17B4306C9}"/>
-          </ac:spMkLst>
-        </pc:spChg>
-      </pc:sldChg>
-      <pc:sldChg chg="modSp add replId">
-        <pc:chgData name="Josef Gajda" userId="S::gajj02@vse.cz::62354765-72cf-499b-b531-3c23b95cf578" providerId="AD" clId="Web-{EAE51034-64F6-58B3-2B51-BAE150F01311}" dt="2026-01-23T15:28:59.414" v="1792" actId="20577"/>
-        <pc:sldMkLst>
-          <pc:docMk/>
-          <pc:sldMk cId="1189467333" sldId="345"/>
-        </pc:sldMkLst>
-        <pc:spChg chg="mod">
-          <ac:chgData name="Josef Gajda" userId="S::gajj02@vse.cz::62354765-72cf-499b-b531-3c23b95cf578" providerId="AD" clId="Web-{EAE51034-64F6-58B3-2B51-BAE150F01311}" dt="2026-01-23T15:27:14.426" v="1776" actId="20577"/>
-          <ac:spMkLst>
-            <pc:docMk/>
-            <pc:sldMk cId="1189467333" sldId="345"/>
-            <ac:spMk id="2" creationId="{0A50671A-6CB4-AE06-4B70-8645E4EE9466}"/>
-          </ac:spMkLst>
-        </pc:spChg>
-        <pc:spChg chg="mod">
-          <ac:chgData name="Josef Gajda" userId="S::gajj02@vse.cz::62354765-72cf-499b-b531-3c23b95cf578" providerId="AD" clId="Web-{EAE51034-64F6-58B3-2B51-BAE150F01311}" dt="2026-01-23T15:28:59.414" v="1792" actId="20577"/>
-          <ac:spMkLst>
-            <pc:docMk/>
-            <pc:sldMk cId="1189467333" sldId="345"/>
-            <ac:spMk id="3" creationId="{71B4E082-692A-28A5-B308-EF955D0BCD0F}"/>
-          </ac:spMkLst>
-        </pc:spChg>
-      </pc:sldChg>
-      <pc:sldChg chg="modSp add replId">
-        <pc:chgData name="Josef Gajda" userId="S::gajj02@vse.cz::62354765-72cf-499b-b531-3c23b95cf578" providerId="AD" clId="Web-{EAE51034-64F6-58B3-2B51-BAE150F01311}" dt="2026-01-23T15:50:48.037" v="1836" actId="20577"/>
-        <pc:sldMkLst>
-          <pc:docMk/>
-          <pc:sldMk cId="798123458" sldId="346"/>
-        </pc:sldMkLst>
-        <pc:spChg chg="mod">
-          <ac:chgData name="Josef Gajda" userId="S::gajj02@vse.cz::62354765-72cf-499b-b531-3c23b95cf578" providerId="AD" clId="Web-{EAE51034-64F6-58B3-2B51-BAE150F01311}" dt="2026-01-23T15:49:29.098" v="1810" actId="20577"/>
-          <ac:spMkLst>
-            <pc:docMk/>
-            <pc:sldMk cId="798123458" sldId="346"/>
-            <ac:spMk id="2" creationId="{1DEAB2F2-1C06-E40D-4EFD-2757F1A61CD1}"/>
-          </ac:spMkLst>
-        </pc:spChg>
-        <pc:spChg chg="mod">
-          <ac:chgData name="Josef Gajda" userId="S::gajj02@vse.cz::62354765-72cf-499b-b531-3c23b95cf578" providerId="AD" clId="Web-{EAE51034-64F6-58B3-2B51-BAE150F01311}" dt="2026-01-23T15:50:48.037" v="1836" actId="20577"/>
-          <ac:spMkLst>
-            <pc:docMk/>
-            <pc:sldMk cId="798123458" sldId="346"/>
-            <ac:spMk id="3" creationId="{320503C1-3E96-2968-4C0B-2A401222E96D}"/>
-          </ac:spMkLst>
-        </pc:spChg>
-      </pc:sldChg>
-      <pc:sldChg chg="modSp add replId">
-        <pc:chgData name="Josef Gajda" userId="S::gajj02@vse.cz::62354765-72cf-499b-b531-3c23b95cf578" providerId="AD" clId="Web-{EAE51034-64F6-58B3-2B51-BAE150F01311}" dt="2026-01-23T16:27:27.758" v="2066" actId="20577"/>
-        <pc:sldMkLst>
-          <pc:docMk/>
-          <pc:sldMk cId="2551814235" sldId="347"/>
-        </pc:sldMkLst>
-        <pc:spChg chg="mod">
-          <ac:chgData name="Josef Gajda" userId="S::gajj02@vse.cz::62354765-72cf-499b-b531-3c23b95cf578" providerId="AD" clId="Web-{EAE51034-64F6-58B3-2B51-BAE150F01311}" dt="2026-01-23T16:27:27.758" v="2066" actId="20577"/>
-          <ac:spMkLst>
-            <pc:docMk/>
-            <pc:sldMk cId="2551814235" sldId="347"/>
-            <ac:spMk id="2" creationId="{63AD812C-51DF-81D8-D856-8489664367E1}"/>
-          </ac:spMkLst>
-        </pc:spChg>
-        <pc:spChg chg="mod">
-          <ac:chgData name="Josef Gajda" userId="S::gajj02@vse.cz::62354765-72cf-499b-b531-3c23b95cf578" providerId="AD" clId="Web-{EAE51034-64F6-58B3-2B51-BAE150F01311}" dt="2026-01-23T16:24:56.469" v="2028" actId="20577"/>
-          <ac:spMkLst>
-            <pc:docMk/>
-            <pc:sldMk cId="2551814235" sldId="347"/>
-            <ac:spMk id="3" creationId="{E835102D-2973-54E9-C919-E82EEF307EE7}"/>
-          </ac:spMkLst>
-        </pc:spChg>
-      </pc:sldChg>
-      <pc:sldChg chg="modSp add del replId">
-        <pc:chgData name="Josef Gajda" userId="S::gajj02@vse.cz::62354765-72cf-499b-b531-3c23b95cf578" providerId="AD" clId="Web-{EAE51034-64F6-58B3-2B51-BAE150F01311}" dt="2026-01-23T16:25:01.548" v="2030"/>
-        <pc:sldMkLst>
-          <pc:docMk/>
-          <pc:sldMk cId="2014228459" sldId="348"/>
-        </pc:sldMkLst>
-        <pc:spChg chg="mod">
-          <ac:chgData name="Josef Gajda" userId="S::gajj02@vse.cz::62354765-72cf-499b-b531-3c23b95cf578" providerId="AD" clId="Web-{EAE51034-64F6-58B3-2B51-BAE150F01311}" dt="2026-01-23T16:00:59.251" v="1952" actId="20577"/>
-          <ac:spMkLst>
-            <pc:docMk/>
-            <pc:sldMk cId="2014228459" sldId="348"/>
-            <ac:spMk id="2" creationId="{03E677E6-23AF-2875-8CDE-F0B83F9A6588}"/>
-          </ac:spMkLst>
-        </pc:spChg>
-        <pc:spChg chg="mod">
-          <ac:chgData name="Josef Gajda" userId="S::gajj02@vse.cz::62354765-72cf-499b-b531-3c23b95cf578" providerId="AD" clId="Web-{EAE51034-64F6-58B3-2B51-BAE150F01311}" dt="2026-01-23T16:01:37.830" v="1971"/>
-          <ac:spMkLst>
-            <pc:docMk/>
-            <pc:sldMk cId="2014228459" sldId="348"/>
-            <ac:spMk id="3" creationId="{376A92EB-26CE-5AC5-B9E8-D616B499C78B}"/>
-          </ac:spMkLst>
-        </pc:spChg>
-      </pc:sldChg>
-      <pc:sldChg chg="modSp add replId">
-        <pc:chgData name="Josef Gajda" userId="S::gajj02@vse.cz::62354765-72cf-499b-b531-3c23b95cf578" providerId="AD" clId="Web-{EAE51034-64F6-58B3-2B51-BAE150F01311}" dt="2026-01-23T16:27:31.258" v="2067" actId="20577"/>
-        <pc:sldMkLst>
-          <pc:docMk/>
-          <pc:sldMk cId="4286521044" sldId="349"/>
-        </pc:sldMkLst>
-        <pc:spChg chg="mod">
-          <ac:chgData name="Josef Gajda" userId="S::gajj02@vse.cz::62354765-72cf-499b-b531-3c23b95cf578" providerId="AD" clId="Web-{EAE51034-64F6-58B3-2B51-BAE150F01311}" dt="2026-01-23T16:27:31.258" v="2067" actId="20577"/>
-          <ac:spMkLst>
-            <pc:docMk/>
-            <pc:sldMk cId="4286521044" sldId="349"/>
-            <ac:spMk id="2" creationId="{34444950-3AE1-DC0F-75C3-F5992A2B014A}"/>
-          </ac:spMkLst>
-        </pc:spChg>
-        <pc:spChg chg="mod">
-          <ac:chgData name="Josef Gajda" userId="S::gajj02@vse.cz::62354765-72cf-499b-b531-3c23b95cf578" providerId="AD" clId="Web-{EAE51034-64F6-58B3-2B51-BAE150F01311}" dt="2026-01-23T16:26:08.708" v="2045" actId="20577"/>
-          <ac:spMkLst>
-            <pc:docMk/>
-            <pc:sldMk cId="4286521044" sldId="349"/>
-            <ac:spMk id="3" creationId="{BE81DE58-5824-3DE3-5F27-C757ECCF2B26}"/>
-          </ac:spMkLst>
-        </pc:spChg>
-      </pc:sldChg>
-      <pc:sldChg chg="modSp add replId">
-        <pc:chgData name="Josef Gajda" userId="S::gajj02@vse.cz::62354765-72cf-499b-b531-3c23b95cf578" providerId="AD" clId="Web-{EAE51034-64F6-58B3-2B51-BAE150F01311}" dt="2026-01-23T16:27:41.571" v="2069" actId="20577"/>
-        <pc:sldMkLst>
-          <pc:docMk/>
-          <pc:sldMk cId="294459475" sldId="350"/>
-        </pc:sldMkLst>
-        <pc:spChg chg="mod">
-          <ac:chgData name="Josef Gajda" userId="S::gajj02@vse.cz::62354765-72cf-499b-b531-3c23b95cf578" providerId="AD" clId="Web-{EAE51034-64F6-58B3-2B51-BAE150F01311}" dt="2026-01-23T16:27:41.571" v="2069" actId="20577"/>
-          <ac:spMkLst>
-            <pc:docMk/>
-            <pc:sldMk cId="294459475" sldId="350"/>
-            <ac:spMk id="2" creationId="{6DB71D78-337F-A13C-1868-AD3B5CC548AE}"/>
-          </ac:spMkLst>
-        </pc:spChg>
-        <pc:spChg chg="mod">
-          <ac:chgData name="Josef Gajda" userId="S::gajj02@vse.cz::62354765-72cf-499b-b531-3c23b95cf578" providerId="AD" clId="Web-{EAE51034-64F6-58B3-2B51-BAE150F01311}" dt="2026-01-23T16:27:26.492" v="2064" actId="20577"/>
-          <ac:spMkLst>
-            <pc:docMk/>
-            <pc:sldMk cId="294459475" sldId="350"/>
-            <ac:spMk id="3" creationId="{90F58D0A-27FE-E413-1736-B5D934723F12}"/>
-          </ac:spMkLst>
-        </pc:spChg>
-      </pc:sldChg>
-      <pc:sldChg chg="modSp add replId">
-        <pc:chgData name="Josef Gajda" userId="S::gajj02@vse.cz::62354765-72cf-499b-b531-3c23b95cf578" providerId="AD" clId="Web-{EAE51034-64F6-58B3-2B51-BAE150F01311}" dt="2026-01-23T16:30:09.045" v="2131" actId="20577"/>
-        <pc:sldMkLst>
-          <pc:docMk/>
-          <pc:sldMk cId="2967795814" sldId="351"/>
-        </pc:sldMkLst>
-        <pc:spChg chg="mod">
-          <ac:chgData name="Josef Gajda" userId="S::gajj02@vse.cz::62354765-72cf-499b-b531-3c23b95cf578" providerId="AD" clId="Web-{EAE51034-64F6-58B3-2B51-BAE150F01311}" dt="2026-01-23T16:27:55.744" v="2073" actId="20577"/>
-          <ac:spMkLst>
-            <pc:docMk/>
-            <pc:sldMk cId="2967795814" sldId="351"/>
-            <ac:spMk id="2" creationId="{8C329213-1EFF-E97F-C85B-D58DBDC87067}"/>
-          </ac:spMkLst>
-        </pc:spChg>
-        <pc:spChg chg="mod">
-          <ac:chgData name="Josef Gajda" userId="S::gajj02@vse.cz::62354765-72cf-499b-b531-3c23b95cf578" providerId="AD" clId="Web-{EAE51034-64F6-58B3-2B51-BAE150F01311}" dt="2026-01-23T16:30:09.045" v="2131" actId="20577"/>
-          <ac:spMkLst>
-            <pc:docMk/>
-            <pc:sldMk cId="2967795814" sldId="351"/>
-            <ac:spMk id="3" creationId="{F00194A5-E198-A8F7-0375-E4812A9F0D7C}"/>
-          </ac:spMkLst>
-        </pc:spChg>
-      </pc:sldChg>
-      <pc:sldChg chg="modSp add replId">
-        <pc:chgData name="Josef Gajda" userId="S::gajj02@vse.cz::62354765-72cf-499b-b531-3c23b95cf578" providerId="AD" clId="Web-{EAE51034-64F6-58B3-2B51-BAE150F01311}" dt="2026-01-23T16:31:20.078" v="2146" actId="20577"/>
-        <pc:sldMkLst>
-          <pc:docMk/>
-          <pc:sldMk cId="2191386064" sldId="352"/>
-        </pc:sldMkLst>
-        <pc:spChg chg="mod">
-          <ac:chgData name="Josef Gajda" userId="S::gajj02@vse.cz::62354765-72cf-499b-b531-3c23b95cf578" providerId="AD" clId="Web-{EAE51034-64F6-58B3-2B51-BAE150F01311}" dt="2026-01-23T16:29:20.684" v="2113" actId="20577"/>
-          <ac:spMkLst>
-            <pc:docMk/>
-            <pc:sldMk cId="2191386064" sldId="352"/>
-            <ac:spMk id="2" creationId="{C1BF97C1-39EE-475C-DBE5-F96E834E1BD8}"/>
-          </ac:spMkLst>
-        </pc:spChg>
-        <pc:spChg chg="mod">
-          <ac:chgData name="Josef Gajda" userId="S::gajj02@vse.cz::62354765-72cf-499b-b531-3c23b95cf578" providerId="AD" clId="Web-{EAE51034-64F6-58B3-2B51-BAE150F01311}" dt="2026-01-23T16:31:20.078" v="2146" actId="20577"/>
-          <ac:spMkLst>
-            <pc:docMk/>
-            <pc:sldMk cId="2191386064" sldId="352"/>
-            <ac:spMk id="3" creationId="{F70B7510-06E3-D0C1-4D0B-C4BC8E1D47B6}"/>
-          </ac:spMkLst>
-        </pc:spChg>
-      </pc:sldChg>
-    </pc:docChg>
-  </pc:docChgLst>
-</pc:chgInfo>
 </file>
 
 <file path=ppt/charts/chart1.xml><?xml version="1.0" encoding="utf-8"?>
@@ -3403,32 +1482,6 @@
     </cs:spPr>
   </cs:wall>
 </cs:chartStyle>
-</file>
-
-<file path=ppt/comments/modernComment_11C_FA1A512F.xml><?xml version="1.0" encoding="utf-8"?>
-<p188:cmLst xmlns:a="http://schemas.openxmlformats.org/drawingml/2006/main" xmlns:r="http://schemas.openxmlformats.org/officeDocument/2006/relationships" xmlns:p188="http://schemas.microsoft.com/office/powerpoint/2018/8/main">
-  <p188:cm id="{AF06C505-6EE8-45A4-B44F-88227B65D297}" authorId="{C4E9F6E1-0CCD-A329-5A98-6923FCA298F6}" created="2026-01-19T00:30:21.001">
-    <ac:txMkLst xmlns:ac="http://schemas.microsoft.com/office/drawing/2013/main/command">
-      <pc:docMk xmlns:pc="http://schemas.microsoft.com/office/powerpoint/2013/main/command"/>
-      <pc:sldMk xmlns:pc="http://schemas.microsoft.com/office/powerpoint/2013/main/command" cId="4196028719" sldId="284"/>
-      <ac:spMk id="3" creationId="{3FB03FD0-6621-58F3-A6B7-A35FC5792661}"/>
-      <ac:txMk cp="59" len="12">
-        <ac:context len="204" hash="1217412124"/>
-      </ac:txMk>
-    </ac:txMkLst>
-    <p188:pos x="2456033" y="670685"/>
-    <p188:txBody>
-      <a:bodyPr/>
-      <a:lstStyle/>
-      <a:p>
-        <a:r>
-          <a:rPr lang="cs-CZ"/>
-          <a:t>TADY MĚLO BÝT DEMOGRAFICKÉ PODLE MĚ NIKOLIV DEMOGRAFICKÉ!!!</a:t>
-        </a:r>
-      </a:p>
-    </p188:txBody>
-  </p188:cm>
-</p188:cmLst>
 </file>
 
 <file path=ppt/diagrams/colors1.xml><?xml version="1.0" encoding="utf-8"?>
@@ -19720,11 +17773,6 @@
       </p:transition>
     </mc:Fallback>
   </mc:AlternateContent>
-  <p:extLst>
-    <p:ext uri="{6950BFC3-D8DA-4A85-94F7-54DA5524770B}">
-      <p188:commentRel xmlns:p188="http://schemas.microsoft.com/office/powerpoint/2018/8/main" r:id="rId2"/>
-    </p:ext>
-  </p:extLst>
 </p:sld>
 </file>
 
@@ -22383,7 +20431,7 @@
             <p:ph idx="1"/>
             <p:extLst>
               <p:ext uri="{D42A27DB-BD31-4B8C-83A1-F6EECF244321}">
-                <p14:modId xmlns:p14="http://schemas.microsoft.com/office/powerpoint/2010/main" val="2082333989"/>
+                <p14:modId xmlns:p14="http://schemas.microsoft.com/office/powerpoint/2010/main" val="3553514704"/>
               </p:ext>
             </p:extLst>
           </p:nvPr>
@@ -22911,11 +20959,11 @@
                         <a:buNone/>
                       </a:pPr>
                       <a:r>
-                        <a:rPr lang="cs-CZ" sz="1400" b="0" i="0" u="none" strike="noStrike" noProof="0" dirty="0">
+                        <a:rPr lang="cs-CZ" sz="1400" b="0" i="0" u="none" strike="noStrike" noProof="0">
                           <a:effectLst/>
                           <a:latin typeface="Calibri"/>
                         </a:rPr>
-                        <a:t>• Průměrný rozpočet: 2,18K</a:t>
+                        <a:t>• Průměrný rozpočet: 2,62K</a:t>
                       </a:r>
                       <a:endParaRPr lang="cs-CZ" sz="1400"/>
                     </a:p>
@@ -22933,11 +20981,11 @@
                         <a:buNone/>
                       </a:pPr>
                       <a:r>
-                        <a:rPr lang="cs-CZ" sz="1400" b="0" i="0" u="none" strike="noStrike" noProof="0" dirty="0">
+                        <a:rPr lang="cs-CZ" sz="1400" b="0" i="0" u="none" strike="noStrike" noProof="0">
                           <a:effectLst/>
                           <a:latin typeface="Calibri"/>
                         </a:rPr>
-                        <a:t>• Korelace: 0,09</a:t>
+                        <a:t>• Korelace: 0,29</a:t>
                       </a:r>
                       <a:endParaRPr lang="cs-CZ" sz="1400"/>
                     </a:p>
@@ -22968,11 +21016,11 @@
                         <a:buNone/>
                       </a:pPr>
                       <a:r>
-                        <a:rPr lang="cs-CZ" sz="1400" b="0" i="0" u="none" strike="noStrike" noProof="0" dirty="0">
+                        <a:rPr lang="cs-CZ" sz="1400" b="0" i="0" u="none" strike="noStrike" noProof="0">
                           <a:effectLst/>
                           <a:latin typeface="Calibri"/>
                         </a:rPr>
-                        <a:t>• Počet měst: 166</a:t>
+                        <a:t>• Počet měst: 174</a:t>
                       </a:r>
                       <a:endParaRPr lang="cs-CZ" sz="1400"/>
                     </a:p>
@@ -38787,7 +36835,7 @@
               <a:buChar char="o"/>
             </a:pPr>
             <a:r>
-              <a:rPr lang="cs-CZ" sz="1400">
+              <a:rPr lang="cs-CZ" sz="1400" dirty="0">
                 <a:solidFill>
                   <a:srgbClr val="000000"/>
                 </a:solidFill>
@@ -38797,7 +36845,7 @@
               <a:t>Tato analýza zkoumá vztah rozpočtu policie (</a:t>
             </a:r>
             <a:r>
-              <a:rPr lang="cs-CZ" sz="1400" err="1">
+              <a:rPr lang="cs-CZ" sz="1400" dirty="0" err="1">
                 <a:solidFill>
                   <a:srgbClr val="000000"/>
                 </a:solidFill>
@@ -38817,7 +36865,7 @@
               <a:t>) a body kamer. Rozpočet policie ≠ velikost města. Malé město může mít vysoký per-capita rozpočet a naopak. Viz ÚLOHA 10 pro analýzu podle velikosti města (</a:t>
             </a:r>
             <a:r>
-              <a:rPr lang="cs-CZ" sz="1400" err="1">
+              <a:rPr lang="cs-CZ" sz="1400" dirty="0" err="1">
                 <a:solidFill>
                   <a:srgbClr val="000000"/>
                 </a:solidFill>
@@ -44436,13 +42484,13 @@
   <p:clrMapOvr>
     <a:masterClrMapping/>
   </p:clrMapOvr>
-  <mc:AlternateContent xmlns:mc="http://schemas.openxmlformats.org/markup-compatibility/2006">
-    <mc:Choice xmlns:p14="http://schemas.microsoft.com/office/powerpoint/2010/main" Requires="p14">
+  <mc:AlternateContent xmlns:mc="http://schemas.openxmlformats.org/markup-compatibility/2006" xmlns:p14="http://schemas.microsoft.com/office/powerpoint/2010/main">
+    <mc:Choice Requires="p14">
       <p:transition spd="med" p14:dur="700">
         <p:fade/>
       </p:transition>
     </mc:Choice>
-    <mc:Fallback>
+    <mc:Fallback xmlns="">
       <p:transition spd="med">
         <p:fade/>
       </p:transition>
@@ -44945,13 +42993,13 @@
   <p:clrMapOvr>
     <a:masterClrMapping/>
   </p:clrMapOvr>
-  <mc:AlternateContent xmlns:mc="http://schemas.openxmlformats.org/markup-compatibility/2006">
-    <mc:Choice xmlns:p14="http://schemas.microsoft.com/office/powerpoint/2010/main" Requires="p14">
+  <mc:AlternateContent xmlns:mc="http://schemas.openxmlformats.org/markup-compatibility/2006" xmlns:p14="http://schemas.microsoft.com/office/powerpoint/2010/main">
+    <mc:Choice Requires="p14">
       <p:transition spd="med" p14:dur="700">
         <p:fade/>
       </p:transition>
     </mc:Choice>
-    <mc:Fallback>
+    <mc:Fallback xmlns="">
       <p:transition spd="med">
         <p:fade/>
       </p:transition>
@@ -45358,13 +43406,13 @@
   <p:clrMapOvr>
     <a:masterClrMapping/>
   </p:clrMapOvr>
-  <mc:AlternateContent xmlns:mc="http://schemas.openxmlformats.org/markup-compatibility/2006">
-    <mc:Choice xmlns:p14="http://schemas.microsoft.com/office/powerpoint/2010/main" Requires="p14">
+  <mc:AlternateContent xmlns:mc="http://schemas.openxmlformats.org/markup-compatibility/2006" xmlns:p14="http://schemas.microsoft.com/office/powerpoint/2010/main">
+    <mc:Choice Requires="p14">
       <p:transition spd="med" p14:dur="700">
         <p:fade/>
       </p:transition>
     </mc:Choice>
-    <mc:Fallback>
+    <mc:Fallback xmlns="">
       <p:transition spd="med">
         <p:fade/>
       </p:transition>
@@ -45875,13 +43923,13 @@
   <p:clrMapOvr>
     <a:masterClrMapping/>
   </p:clrMapOvr>
-  <mc:AlternateContent xmlns:mc="http://schemas.openxmlformats.org/markup-compatibility/2006">
-    <mc:Choice xmlns:p14="http://schemas.microsoft.com/office/powerpoint/2010/main" Requires="p14">
+  <mc:AlternateContent xmlns:mc="http://schemas.openxmlformats.org/markup-compatibility/2006" xmlns:p14="http://schemas.microsoft.com/office/powerpoint/2010/main">
+    <mc:Choice Requires="p14">
       <p:transition spd="med" p14:dur="700">
         <p:fade/>
       </p:transition>
     </mc:Choice>
-    <mc:Fallback>
+    <mc:Fallback xmlns="">
       <p:transition spd="med">
         <p:fade/>
       </p:transition>
@@ -50522,6 +48570,17 @@
 </file>
 
 <file path=customXml/item1.xml><?xml version="1.0" encoding="utf-8"?>
+<p:properties xmlns:p="http://schemas.microsoft.com/office/2006/metadata/properties" xmlns:xsi="http://www.w3.org/2001/XMLSchema-instance" xmlns:pc="http://schemas.microsoft.com/office/infopath/2007/PartnerControls">
+  <documentManagement>
+    <lcf76f155ced4ddcb4097134ff3c332f xmlns="7fe71cfb-81ed-4b9d-9a1f-cae1a72b62ba">
+      <Terms xmlns="http://schemas.microsoft.com/office/infopath/2007/PartnerControls"/>
+    </lcf76f155ced4ddcb4097134ff3c332f>
+    <TaxCatchAll xmlns="184be059-f9c1-47a1-baeb-6b78fb5c2cd7" xsi:nil="true"/>
+  </documentManagement>
+</p:properties>
+</file>
+
+<file path=customXml/item2.xml><?xml version="1.0" encoding="utf-8"?>
 <ct:contentTypeSchema xmlns:ct="http://schemas.microsoft.com/office/2006/metadata/contentType" xmlns:ma="http://schemas.microsoft.com/office/2006/metadata/properties/metaAttributes" ct:_="" ma:_="" ma:contentTypeName="Dokument" ma:contentTypeID="0x010100A5EAD61CDED85140BF5B934B48DD3484" ma:contentTypeVersion="15" ma:contentTypeDescription="Vytvoří nový dokument" ma:contentTypeScope="" ma:versionID="57c7acc678d4da0b8ba39acd8e916ed2">
   <xsd:schema xmlns:xsd="http://www.w3.org/2001/XMLSchema" xmlns:xs="http://www.w3.org/2001/XMLSchema" xmlns:p="http://schemas.microsoft.com/office/2006/metadata/properties" xmlns:ns2="7fe71cfb-81ed-4b9d-9a1f-cae1a72b62ba" xmlns:ns3="184be059-f9c1-47a1-baeb-6b78fb5c2cd7" targetNamespace="http://schemas.microsoft.com/office/2006/metadata/properties" ma:root="true" ma:fieldsID="00b82b4a7cf6d93894e416bb4502bf8f" ns2:_="" ns3:_="">
     <xsd:import namespace="7fe71cfb-81ed-4b9d-9a1f-cae1a72b62ba"/>
@@ -50750,7 +48809,7 @@
 </ct:contentTypeSchema>
 </file>
 
-<file path=customXml/item2.xml><?xml version="1.0" encoding="utf-8"?>
+<file path=customXml/item3.xml><?xml version="1.0" encoding="utf-8"?>
 <?mso-contentType ?>
 <FormTemplates xmlns="http://schemas.microsoft.com/sharepoint/v3/contenttype/forms">
   <Display>DocumentLibraryForm</Display>
@@ -50759,18 +48818,24 @@
 </FormTemplates>
 </file>
 
-<file path=customXml/item3.xml><?xml version="1.0" encoding="utf-8"?>
-<p:properties xmlns:p="http://schemas.microsoft.com/office/2006/metadata/properties" xmlns:xsi="http://www.w3.org/2001/XMLSchema-instance" xmlns:pc="http://schemas.microsoft.com/office/infopath/2007/PartnerControls">
-  <documentManagement>
-    <lcf76f155ced4ddcb4097134ff3c332f xmlns="7fe71cfb-81ed-4b9d-9a1f-cae1a72b62ba">
-      <Terms xmlns="http://schemas.microsoft.com/office/infopath/2007/PartnerControls"/>
-    </lcf76f155ced4ddcb4097134ff3c332f>
-    <TaxCatchAll xmlns="184be059-f9c1-47a1-baeb-6b78fb5c2cd7" xsi:nil="true"/>
-  </documentManagement>
-</p:properties>
+<file path=customXml/itemProps1.xml><?xml version="1.0" encoding="utf-8"?>
+<ds:datastoreItem xmlns:ds="http://schemas.openxmlformats.org/officeDocument/2006/customXml" ds:itemID="{F0DE5107-EA5C-49BC-849B-82F30D30C53B}">
+  <ds:schemaRefs>
+    <ds:schemaRef ds:uri="http://schemas.microsoft.com/office/2006/documentManagement/types"/>
+    <ds:schemaRef ds:uri="http://schemas.microsoft.com/office/infopath/2007/PartnerControls"/>
+    <ds:schemaRef ds:uri="http://purl.org/dc/elements/1.1/"/>
+    <ds:schemaRef ds:uri="184be059-f9c1-47a1-baeb-6b78fb5c2cd7"/>
+    <ds:schemaRef ds:uri="http://www.w3.org/XML/1998/namespace"/>
+    <ds:schemaRef ds:uri="http://purl.org/dc/terms/"/>
+    <ds:schemaRef ds:uri="7fe71cfb-81ed-4b9d-9a1f-cae1a72b62ba"/>
+    <ds:schemaRef ds:uri="http://schemas.openxmlformats.org/package/2006/metadata/core-properties"/>
+    <ds:schemaRef ds:uri="http://schemas.microsoft.com/office/2006/metadata/properties"/>
+    <ds:schemaRef ds:uri="http://purl.org/dc/dcmitype/"/>
+  </ds:schemaRefs>
+</ds:datastoreItem>
 </file>
 
-<file path=customXml/itemProps1.xml><?xml version="1.0" encoding="utf-8"?>
+<file path=customXml/itemProps2.xml><?xml version="1.0" encoding="utf-8"?>
 <ds:datastoreItem xmlns:ds="http://schemas.openxmlformats.org/officeDocument/2006/customXml" ds:itemID="{F8CD9D9D-7B9F-4443-A564-98662DD48982}">
   <ds:schemaRefs>
     <ds:schemaRef ds:uri="http://schemas.microsoft.com/office/2006/metadata/contentType"/>
@@ -50789,27 +48854,10 @@
 </ds:datastoreItem>
 </file>
 
-<file path=customXml/itemProps2.xml><?xml version="1.0" encoding="utf-8"?>
+<file path=customXml/itemProps3.xml><?xml version="1.0" encoding="utf-8"?>
 <ds:datastoreItem xmlns:ds="http://schemas.openxmlformats.org/officeDocument/2006/customXml" ds:itemID="{632259C9-B307-4FF4-B7D2-DAD5D3FFF000}">
   <ds:schemaRefs>
     <ds:schemaRef ds:uri="http://schemas.microsoft.com/sharepoint/v3/contenttype/forms"/>
   </ds:schemaRefs>
 </ds:datastoreItem>
-</file>
-
-<file path=customXml/itemProps3.xml><?xml version="1.0" encoding="utf-8"?>
-<ds:datastoreItem xmlns:ds="http://schemas.openxmlformats.org/officeDocument/2006/customXml" ds:itemID="{F0DE5107-EA5C-49BC-849B-82F30D30C53B}">
-  <ds:schemaRefs>
-    <ds:schemaRef ds:uri="http://schemas.microsoft.com/office/2006/documentManagement/types"/>
-    <ds:schemaRef ds:uri="http://schemas.microsoft.com/office/infopath/2007/PartnerControls"/>
-    <ds:schemaRef ds:uri="http://purl.org/dc/elements/1.1/"/>
-    <ds:schemaRef ds:uri="184be059-f9c1-47a1-baeb-6b78fb5c2cd7"/>
-    <ds:schemaRef ds:uri="http://www.w3.org/XML/1998/namespace"/>
-    <ds:schemaRef ds:uri="http://purl.org/dc/terms/"/>
-    <ds:schemaRef ds:uri="7fe71cfb-81ed-4b9d-9a1f-cae1a72b62ba"/>
-    <ds:schemaRef ds:uri="http://schemas.openxmlformats.org/package/2006/metadata/core-properties"/>
-    <ds:schemaRef ds:uri="http://schemas.microsoft.com/office/2006/metadata/properties"/>
-    <ds:schemaRef ds:uri="http://purl.org/dc/dcmitype/"/>
-  </ds:schemaRefs>
-</ds:datastoreItem>
 </file>